--- a/Deliverables/Spring 1 Presentation.pptx
+++ b/Deliverables/Spring 1 Presentation.pptx
@@ -1,30 +1,30 @@
 
 <file path=ppt/presentation.xml><?xml version="1.0" encoding="utf-8"?>
-<p:presentation xmlns:a="http://schemas.openxmlformats.org/drawingml/2006/main" xmlns:r="http://schemas.openxmlformats.org/officeDocument/2006/relationships" xmlns:mc="http://schemas.openxmlformats.org/markup-compatibility/2006" xmlns:mv="urn:schemas-microsoft-com:mac:vml" xmlns:p="http://schemas.openxmlformats.org/presentationml/2006/main" xmlns:c="http://schemas.openxmlformats.org/drawingml/2006/chart" xmlns:dgm="http://schemas.openxmlformats.org/drawingml/2006/diagram" xmlns:o="urn:schemas-microsoft-com:office:office" xmlns:v="urn:schemas-microsoft-com:vml" xmlns:pvml="urn:schemas-microsoft-com:office:powerpoint" xmlns:com="http://schemas.openxmlformats.org/drawingml/2006/compatibility" xmlns:p14="http://schemas.microsoft.com/office/powerpoint/2010/main" autoCompressPictures="0" embedTrueTypeFonts="1" strictFirstAndLastChars="0" saveSubsetFonts="1">
+<p:presentation xmlns:a="http://schemas.openxmlformats.org/drawingml/2006/main" xmlns:r="http://schemas.openxmlformats.org/officeDocument/2006/relationships" xmlns:p="http://schemas.openxmlformats.org/presentationml/2006/main" strictFirstAndLastChars="0" embedTrueTypeFonts="1" saveSubsetFonts="1" autoCompressPictures="0">
   <p:sldMasterIdLst>
-    <p:sldMasterId id="2147483659" r:id="rId3"/>
+    <p:sldMasterId id="2147483659" r:id="rId1"/>
   </p:sldMasterIdLst>
   <p:notesMasterIdLst>
-    <p:notesMasterId r:id="rId4"/>
+    <p:notesMasterId r:id="rId6"/>
   </p:notesMasterIdLst>
   <p:sldIdLst>
-    <p:sldId id="256" r:id="rId5"/>
-    <p:sldId id="257" r:id="rId6"/>
-    <p:sldId id="258" r:id="rId7"/>
-    <p:sldId id="259" r:id="rId8"/>
+    <p:sldId id="256" r:id="rId2"/>
+    <p:sldId id="257" r:id="rId3"/>
+    <p:sldId id="258" r:id="rId4"/>
+    <p:sldId id="259" r:id="rId5"/>
   </p:sldIdLst>
-  <p:sldSz cy="5143500" cx="9144000"/>
+  <p:sldSz cx="9144000" cy="5143500" type="screen16x9"/>
   <p:notesSz cx="6858000" cy="9144000"/>
   <p:embeddedFontLst>
     <p:embeddedFont>
-      <p:font typeface="Old Standard TT"/>
-      <p:regular r:id="rId9"/>
-      <p:bold r:id="rId10"/>
-      <p:italic r:id="rId11"/>
+      <p:font typeface="Old Standard TT" charset="0"/>
+      <p:regular r:id="rId7"/>
+      <p:bold r:id="rId8"/>
+      <p:italic r:id="rId9"/>
     </p:embeddedFont>
   </p:embeddedFontLst>
   <p:defaultTextStyle>
-    <a:defPPr lvl="0" marR="0" rtl="0" algn="l">
+    <a:defPPr marR="0" lvl="0" algn="l" rtl="0">
       <a:lnSpc>
         <a:spcPct val="100000"/>
       </a:lnSpc>
@@ -35,7 +35,7 @@
         <a:spcPts val="0"/>
       </a:spcAft>
     </a:defPPr>
-    <a:lvl1pPr lvl="0" marR="0" rtl="0" algn="l">
+    <a:lvl1pPr marR="0" lvl="0" algn="l" rtl="0">
       <a:lnSpc>
         <a:spcPct val="100000"/>
       </a:lnSpc>
@@ -46,7 +46,7 @@
         <a:spcPts val="0"/>
       </a:spcAft>
       <a:buNone/>
-      <a:defRPr b="0" i="0" sz="1400" u="none" cap="none" strike="noStrike">
+      <a:defRPr sz="1400" b="0" i="0" u="none" strike="noStrike" cap="none">
         <a:solidFill>
           <a:srgbClr val="000000"/>
         </a:solidFill>
@@ -56,7 +56,7 @@
         <a:sym typeface="Arial"/>
       </a:defRPr>
     </a:lvl1pPr>
-    <a:lvl2pPr lvl="1" marR="0" rtl="0" algn="l">
+    <a:lvl2pPr marR="0" lvl="1" algn="l" rtl="0">
       <a:lnSpc>
         <a:spcPct val="100000"/>
       </a:lnSpc>
@@ -67,7 +67,7 @@
         <a:spcPts val="0"/>
       </a:spcAft>
       <a:buNone/>
-      <a:defRPr b="0" i="0" sz="1400" u="none" cap="none" strike="noStrike">
+      <a:defRPr sz="1400" b="0" i="0" u="none" strike="noStrike" cap="none">
         <a:solidFill>
           <a:srgbClr val="000000"/>
         </a:solidFill>
@@ -77,7 +77,7 @@
         <a:sym typeface="Arial"/>
       </a:defRPr>
     </a:lvl2pPr>
-    <a:lvl3pPr lvl="2" marR="0" rtl="0" algn="l">
+    <a:lvl3pPr marR="0" lvl="2" algn="l" rtl="0">
       <a:lnSpc>
         <a:spcPct val="100000"/>
       </a:lnSpc>
@@ -88,7 +88,7 @@
         <a:spcPts val="0"/>
       </a:spcAft>
       <a:buNone/>
-      <a:defRPr b="0" i="0" sz="1400" u="none" cap="none" strike="noStrike">
+      <a:defRPr sz="1400" b="0" i="0" u="none" strike="noStrike" cap="none">
         <a:solidFill>
           <a:srgbClr val="000000"/>
         </a:solidFill>
@@ -98,7 +98,7 @@
         <a:sym typeface="Arial"/>
       </a:defRPr>
     </a:lvl3pPr>
-    <a:lvl4pPr lvl="3" marR="0" rtl="0" algn="l">
+    <a:lvl4pPr marR="0" lvl="3" algn="l" rtl="0">
       <a:lnSpc>
         <a:spcPct val="100000"/>
       </a:lnSpc>
@@ -109,7 +109,7 @@
         <a:spcPts val="0"/>
       </a:spcAft>
       <a:buNone/>
-      <a:defRPr b="0" i="0" sz="1400" u="none" cap="none" strike="noStrike">
+      <a:defRPr sz="1400" b="0" i="0" u="none" strike="noStrike" cap="none">
         <a:solidFill>
           <a:srgbClr val="000000"/>
         </a:solidFill>
@@ -119,7 +119,7 @@
         <a:sym typeface="Arial"/>
       </a:defRPr>
     </a:lvl4pPr>
-    <a:lvl5pPr lvl="4" marR="0" rtl="0" algn="l">
+    <a:lvl5pPr marR="0" lvl="4" algn="l" rtl="0">
       <a:lnSpc>
         <a:spcPct val="100000"/>
       </a:lnSpc>
@@ -130,7 +130,7 @@
         <a:spcPts val="0"/>
       </a:spcAft>
       <a:buNone/>
-      <a:defRPr b="0" i="0" sz="1400" u="none" cap="none" strike="noStrike">
+      <a:defRPr sz="1400" b="0" i="0" u="none" strike="noStrike" cap="none">
         <a:solidFill>
           <a:srgbClr val="000000"/>
         </a:solidFill>
@@ -140,7 +140,7 @@
         <a:sym typeface="Arial"/>
       </a:defRPr>
     </a:lvl5pPr>
-    <a:lvl6pPr lvl="5" marR="0" rtl="0" algn="l">
+    <a:lvl6pPr marR="0" lvl="5" algn="l" rtl="0">
       <a:lnSpc>
         <a:spcPct val="100000"/>
       </a:lnSpc>
@@ -151,7 +151,7 @@
         <a:spcPts val="0"/>
       </a:spcAft>
       <a:buNone/>
-      <a:defRPr b="0" i="0" sz="1400" u="none" cap="none" strike="noStrike">
+      <a:defRPr sz="1400" b="0" i="0" u="none" strike="noStrike" cap="none">
         <a:solidFill>
           <a:srgbClr val="000000"/>
         </a:solidFill>
@@ -161,7 +161,7 @@
         <a:sym typeface="Arial"/>
       </a:defRPr>
     </a:lvl6pPr>
-    <a:lvl7pPr lvl="6" marR="0" rtl="0" algn="l">
+    <a:lvl7pPr marR="0" lvl="6" algn="l" rtl="0">
       <a:lnSpc>
         <a:spcPct val="100000"/>
       </a:lnSpc>
@@ -172,7 +172,7 @@
         <a:spcPts val="0"/>
       </a:spcAft>
       <a:buNone/>
-      <a:defRPr b="0" i="0" sz="1400" u="none" cap="none" strike="noStrike">
+      <a:defRPr sz="1400" b="0" i="0" u="none" strike="noStrike" cap="none">
         <a:solidFill>
           <a:srgbClr val="000000"/>
         </a:solidFill>
@@ -182,7 +182,7 @@
         <a:sym typeface="Arial"/>
       </a:defRPr>
     </a:lvl7pPr>
-    <a:lvl8pPr lvl="7" marR="0" rtl="0" algn="l">
+    <a:lvl8pPr marR="0" lvl="7" algn="l" rtl="0">
       <a:lnSpc>
         <a:spcPct val="100000"/>
       </a:lnSpc>
@@ -193,7 +193,7 @@
         <a:spcPts val="0"/>
       </a:spcAft>
       <a:buNone/>
-      <a:defRPr b="0" i="0" sz="1400" u="none" cap="none" strike="noStrike">
+      <a:defRPr sz="1400" b="0" i="0" u="none" strike="noStrike" cap="none">
         <a:solidFill>
           <a:srgbClr val="000000"/>
         </a:solidFill>
@@ -203,7 +203,7 @@
         <a:sym typeface="Arial"/>
       </a:defRPr>
     </a:lvl8pPr>
-    <a:lvl9pPr lvl="8" marR="0" rtl="0" algn="l">
+    <a:lvl9pPr marR="0" lvl="8" algn="l" rtl="0">
       <a:lnSpc>
         <a:spcPct val="100000"/>
       </a:lnSpc>
@@ -214,7 +214,7 @@
         <a:spcPts val="0"/>
       </a:spcAft>
       <a:buNone/>
-      <a:defRPr b="0" i="0" sz="1400" u="none" cap="none" strike="noStrike">
+      <a:defRPr sz="1400" b="0" i="0" u="none" strike="noStrike" cap="none">
         <a:solidFill>
           <a:srgbClr val="000000"/>
         </a:solidFill>
@@ -229,11 +229,16 @@
 </file>
 
 <file path=ppt/notesMasters/notesMaster1.xml><?xml version="1.0" encoding="utf-8"?>
-<p:notesMaster xmlns:a="http://schemas.openxmlformats.org/drawingml/2006/main" xmlns:r="http://schemas.openxmlformats.org/officeDocument/2006/relationships" xmlns:mc="http://schemas.openxmlformats.org/markup-compatibility/2006" xmlns:mv="urn:schemas-microsoft-com:mac:vml" xmlns:p="http://schemas.openxmlformats.org/presentationml/2006/main" xmlns:c="http://schemas.openxmlformats.org/drawingml/2006/chart" xmlns:dgm="http://schemas.openxmlformats.org/drawingml/2006/diagram" xmlns:o="urn:schemas-microsoft-com:office:office" xmlns:v="urn:schemas-microsoft-com:vml" xmlns:pvml="urn:schemas-microsoft-com:office:powerpoint" xmlns:com="http://schemas.openxmlformats.org/drawingml/2006/compatibility" xmlns:p14="http://schemas.microsoft.com/office/powerpoint/2010/main">
+<p:notesMaster xmlns:a="http://schemas.openxmlformats.org/drawingml/2006/main" xmlns:r="http://schemas.openxmlformats.org/officeDocument/2006/relationships" xmlns:p="http://schemas.openxmlformats.org/presentationml/2006/main">
   <p:cSld>
+    <p:bg>
+      <p:bgRef idx="1001">
+        <a:schemeClr val="bg1"/>
+      </p:bgRef>
+    </p:bg>
     <p:spTree>
       <p:nvGrpSpPr>
-        <p:cNvPr id="2" name="Shape 2"/>
+        <p:cNvPr id="1" name="Shape 2"/>
         <p:cNvGrpSpPr/>
         <p:nvPr/>
       </p:nvGrpSpPr>
@@ -248,9 +253,11 @@
       <p:sp>
         <p:nvSpPr>
           <p:cNvPr id="3" name="Shape 3"/>
-          <p:cNvSpPr/>
+          <p:cNvSpPr>
+            <a:spLocks noGrp="1" noRot="1" noChangeAspect="1"/>
+          </p:cNvSpPr>
           <p:nvPr>
-            <p:ph idx="2" type="sldImg"/>
+            <p:ph type="sldImg" idx="2"/>
           </p:nvPr>
         </p:nvSpPr>
         <p:spPr>
@@ -259,8 +266,13 @@
             <a:ext cx="6096075" cy="3429000"/>
           </a:xfrm>
           <a:custGeom>
+            <a:avLst/>
+            <a:gdLst/>
+            <a:ahLst/>
+            <a:cxnLst/>
+            <a:rect l="0" t="0" r="0" b="0"/>
             <a:pathLst>
-              <a:path extrusionOk="0" h="120000" w="120000">
+              <a:path w="120000" h="120000" extrusionOk="0">
                 <a:moveTo>
                   <a:pt x="0" y="0"/>
                 </a:moveTo>
@@ -278,23 +290,25 @@
             </a:pathLst>
           </a:custGeom>
           <a:noFill/>
-          <a:ln cap="flat" cmpd="sng" w="9525">
+          <a:ln w="9525" cap="flat" cmpd="sng">
             <a:solidFill>
               <a:srgbClr val="000000"/>
             </a:solidFill>
             <a:prstDash val="solid"/>
             <a:round/>
-            <a:headEnd len="med" w="med" type="none"/>
-            <a:tailEnd len="med" w="med" type="none"/>
+            <a:headEnd type="none" w="med" len="med"/>
+            <a:tailEnd type="none" w="med" len="med"/>
           </a:ln>
         </p:spPr>
       </p:sp>
       <p:sp>
         <p:nvSpPr>
           <p:cNvPr id="4" name="Shape 4"/>
-          <p:cNvSpPr txBox="1"/>
+          <p:cNvSpPr txBox="1">
+            <a:spLocks noGrp="1"/>
+          </p:cNvSpPr>
           <p:nvPr>
-            <p:ph idx="1" type="body"/>
+            <p:ph type="body" idx="1"/>
           </p:nvPr>
         </p:nvSpPr>
         <p:spPr>
@@ -311,7 +325,7 @@
           </a:ln>
         </p:spPr>
         <p:txBody>
-          <a:bodyPr anchorCtr="0" anchor="t" bIns="91425" lIns="91425" rIns="91425" tIns="91425"/>
+          <a:bodyPr lIns="91425" tIns="91425" rIns="91425" bIns="91425" anchor="t" anchorCtr="0"/>
           <a:lstStyle>
             <a:lvl1pPr lvl="0">
               <a:spcBef>
@@ -368,21 +382,120 @@
               <a:defRPr sz="1100"/>
             </a:lvl9pPr>
           </a:lstStyle>
-          <a:p/>
+          <a:p>
+            <a:endParaRPr/>
+          </a:p>
         </p:txBody>
       </p:sp>
     </p:spTree>
+    <p:extLst>
+      <p:ext uri="{BB962C8B-B14F-4D97-AF65-F5344CB8AC3E}">
+        <p14:creationId xmlns:p14="http://schemas.microsoft.com/office/powerpoint/2010/main" val="699395505"/>
+      </p:ext>
+    </p:extLst>
   </p:cSld>
-  <p:clrMap accent1="accent1" accent2="accent2" accent3="accent3" accent4="accent4" accent5="accent5" accent6="accent6" bg1="lt1" bg2="dk2" tx1="dk1" tx2="lt2" folHlink="folHlink" hlink="hlink"/>
+  <p:clrMap bg1="lt1" tx1="dk1" bg2="dk2" tx2="lt2" accent1="accent1" accent2="accent2" accent3="accent3" accent4="accent4" accent5="accent5" accent6="accent6" hlink="hlink" folHlink="folHlink"/>
+  <p:notesStyle>
+    <a:lvl1pPr marL="0" algn="l" defTabSz="914400" rtl="0" eaLnBrk="1" latinLnBrk="0" hangingPunct="1">
+      <a:defRPr sz="1200" kern="1200">
+        <a:solidFill>
+          <a:schemeClr val="tx1"/>
+        </a:solidFill>
+        <a:latin typeface="+mn-lt"/>
+        <a:ea typeface="+mn-ea"/>
+        <a:cs typeface="+mn-cs"/>
+      </a:defRPr>
+    </a:lvl1pPr>
+    <a:lvl2pPr marL="457200" algn="l" defTabSz="914400" rtl="0" eaLnBrk="1" latinLnBrk="0" hangingPunct="1">
+      <a:defRPr sz="1200" kern="1200">
+        <a:solidFill>
+          <a:schemeClr val="tx1"/>
+        </a:solidFill>
+        <a:latin typeface="+mn-lt"/>
+        <a:ea typeface="+mn-ea"/>
+        <a:cs typeface="+mn-cs"/>
+      </a:defRPr>
+    </a:lvl2pPr>
+    <a:lvl3pPr marL="914400" algn="l" defTabSz="914400" rtl="0" eaLnBrk="1" latinLnBrk="0" hangingPunct="1">
+      <a:defRPr sz="1200" kern="1200">
+        <a:solidFill>
+          <a:schemeClr val="tx1"/>
+        </a:solidFill>
+        <a:latin typeface="+mn-lt"/>
+        <a:ea typeface="+mn-ea"/>
+        <a:cs typeface="+mn-cs"/>
+      </a:defRPr>
+    </a:lvl3pPr>
+    <a:lvl4pPr marL="1371600" algn="l" defTabSz="914400" rtl="0" eaLnBrk="1" latinLnBrk="0" hangingPunct="1">
+      <a:defRPr sz="1200" kern="1200">
+        <a:solidFill>
+          <a:schemeClr val="tx1"/>
+        </a:solidFill>
+        <a:latin typeface="+mn-lt"/>
+        <a:ea typeface="+mn-ea"/>
+        <a:cs typeface="+mn-cs"/>
+      </a:defRPr>
+    </a:lvl4pPr>
+    <a:lvl5pPr marL="1828800" algn="l" defTabSz="914400" rtl="0" eaLnBrk="1" latinLnBrk="0" hangingPunct="1">
+      <a:defRPr sz="1200" kern="1200">
+        <a:solidFill>
+          <a:schemeClr val="tx1"/>
+        </a:solidFill>
+        <a:latin typeface="+mn-lt"/>
+        <a:ea typeface="+mn-ea"/>
+        <a:cs typeface="+mn-cs"/>
+      </a:defRPr>
+    </a:lvl5pPr>
+    <a:lvl6pPr marL="2286000" algn="l" defTabSz="914400" rtl="0" eaLnBrk="1" latinLnBrk="0" hangingPunct="1">
+      <a:defRPr sz="1200" kern="1200">
+        <a:solidFill>
+          <a:schemeClr val="tx1"/>
+        </a:solidFill>
+        <a:latin typeface="+mn-lt"/>
+        <a:ea typeface="+mn-ea"/>
+        <a:cs typeface="+mn-cs"/>
+      </a:defRPr>
+    </a:lvl6pPr>
+    <a:lvl7pPr marL="2743200" algn="l" defTabSz="914400" rtl="0" eaLnBrk="1" latinLnBrk="0" hangingPunct="1">
+      <a:defRPr sz="1200" kern="1200">
+        <a:solidFill>
+          <a:schemeClr val="tx1"/>
+        </a:solidFill>
+        <a:latin typeface="+mn-lt"/>
+        <a:ea typeface="+mn-ea"/>
+        <a:cs typeface="+mn-cs"/>
+      </a:defRPr>
+    </a:lvl7pPr>
+    <a:lvl8pPr marL="3200400" algn="l" defTabSz="914400" rtl="0" eaLnBrk="1" latinLnBrk="0" hangingPunct="1">
+      <a:defRPr sz="1200" kern="1200">
+        <a:solidFill>
+          <a:schemeClr val="tx1"/>
+        </a:solidFill>
+        <a:latin typeface="+mn-lt"/>
+        <a:ea typeface="+mn-ea"/>
+        <a:cs typeface="+mn-cs"/>
+      </a:defRPr>
+    </a:lvl8pPr>
+    <a:lvl9pPr marL="3657600" algn="l" defTabSz="914400" rtl="0" eaLnBrk="1" latinLnBrk="0" hangingPunct="1">
+      <a:defRPr sz="1200" kern="1200">
+        <a:solidFill>
+          <a:schemeClr val="tx1"/>
+        </a:solidFill>
+        <a:latin typeface="+mn-lt"/>
+        <a:ea typeface="+mn-ea"/>
+        <a:cs typeface="+mn-cs"/>
+      </a:defRPr>
+    </a:lvl9pPr>
+  </p:notesStyle>
 </p:notesMaster>
 </file>
 
 <file path=ppt/notesSlides/notesSlide1.xml><?xml version="1.0" encoding="utf-8"?>
-<p:notes xmlns:a="http://schemas.openxmlformats.org/drawingml/2006/main" xmlns:r="http://schemas.openxmlformats.org/officeDocument/2006/relationships" xmlns:mc="http://schemas.openxmlformats.org/markup-compatibility/2006" xmlns:mv="urn:schemas-microsoft-com:mac:vml" xmlns:p="http://schemas.openxmlformats.org/presentationml/2006/main" xmlns:c="http://schemas.openxmlformats.org/drawingml/2006/chart" xmlns:dgm="http://schemas.openxmlformats.org/drawingml/2006/diagram" xmlns:o="urn:schemas-microsoft-com:office:office" xmlns:v="urn:schemas-microsoft-com:vml" xmlns:pvml="urn:schemas-microsoft-com:office:powerpoint" xmlns:com="http://schemas.openxmlformats.org/drawingml/2006/compatibility" xmlns:p14="http://schemas.microsoft.com/office/powerpoint/2010/main" showMasterPhAnim="0" showMasterSp="0">
+<p:notes xmlns:a="http://schemas.openxmlformats.org/drawingml/2006/main" xmlns:r="http://schemas.openxmlformats.org/officeDocument/2006/relationships" xmlns:p="http://schemas.openxmlformats.org/presentationml/2006/main" showMasterSp="0" showMasterPhAnim="0">
   <p:cSld>
     <p:spTree>
       <p:nvGrpSpPr>
-        <p:cNvPr id="55" name="Shape 55"/>
+        <p:cNvPr id="1" name="Shape 55"/>
         <p:cNvGrpSpPr/>
         <p:nvPr/>
       </p:nvGrpSpPr>
@@ -397,19 +510,26 @@
       <p:sp>
         <p:nvSpPr>
           <p:cNvPr id="56" name="Shape 56"/>
-          <p:cNvSpPr/>
+          <p:cNvSpPr>
+            <a:spLocks noGrp="1" noRot="1" noChangeAspect="1"/>
+          </p:cNvSpPr>
           <p:nvPr>
-            <p:ph idx="2" type="sldImg"/>
+            <p:ph type="sldImg" idx="2"/>
           </p:nvPr>
         </p:nvSpPr>
         <p:spPr>
           <a:xfrm>
-            <a:off x="381300" y="685800"/>
-            <a:ext cx="6096075" cy="3429000"/>
+            <a:off x="381000" y="685800"/>
+            <a:ext cx="6096000" cy="3429000"/>
           </a:xfrm>
           <a:custGeom>
+            <a:avLst/>
+            <a:gdLst/>
+            <a:ahLst/>
+            <a:cxnLst/>
+            <a:rect l="0" t="0" r="0" b="0"/>
             <a:pathLst>
-              <a:path extrusionOk="0" h="120000" w="120000">
+              <a:path w="120000" h="120000" extrusionOk="0">
                 <a:moveTo>
                   <a:pt x="0" y="0"/>
                 </a:moveTo>
@@ -431,9 +551,11 @@
       <p:sp>
         <p:nvSpPr>
           <p:cNvPr id="57" name="Shape 57"/>
-          <p:cNvSpPr txBox="1"/>
+          <p:cNvSpPr txBox="1">
+            <a:spLocks noGrp="1"/>
+          </p:cNvSpPr>
           <p:nvPr>
-            <p:ph idx="1" type="body"/>
+            <p:ph type="body" idx="1"/>
           </p:nvPr>
         </p:nvSpPr>
         <p:spPr>
@@ -446,7 +568,7 @@
           </a:prstGeom>
         </p:spPr>
         <p:txBody>
-          <a:bodyPr anchorCtr="0" anchor="t" bIns="91425" lIns="91425" rIns="91425" tIns="91425">
+          <a:bodyPr lIns="91425" tIns="91425" rIns="91425" bIns="91425" anchor="t" anchorCtr="0">
             <a:noAutofit/>
           </a:bodyPr>
           <a:lstStyle/>
@@ -457,9 +579,6 @@
               </a:spcBef>
               <a:buNone/>
             </a:pPr>
-            <a:r>
-              <a:t/>
-            </a:r>
             <a:endParaRPr/>
           </a:p>
         </p:txBody>
@@ -473,11 +592,11 @@
 </file>
 
 <file path=ppt/notesSlides/notesSlide2.xml><?xml version="1.0" encoding="utf-8"?>
-<p:notes xmlns:a="http://schemas.openxmlformats.org/drawingml/2006/main" xmlns:r="http://schemas.openxmlformats.org/officeDocument/2006/relationships" xmlns:mc="http://schemas.openxmlformats.org/markup-compatibility/2006" xmlns:mv="urn:schemas-microsoft-com:mac:vml" xmlns:p="http://schemas.openxmlformats.org/presentationml/2006/main" xmlns:c="http://schemas.openxmlformats.org/drawingml/2006/chart" xmlns:dgm="http://schemas.openxmlformats.org/drawingml/2006/diagram" xmlns:o="urn:schemas-microsoft-com:office:office" xmlns:v="urn:schemas-microsoft-com:vml" xmlns:pvml="urn:schemas-microsoft-com:office:powerpoint" xmlns:com="http://schemas.openxmlformats.org/drawingml/2006/compatibility" xmlns:p14="http://schemas.microsoft.com/office/powerpoint/2010/main" showMasterPhAnim="0" showMasterSp="0">
+<p:notes xmlns:a="http://schemas.openxmlformats.org/drawingml/2006/main" xmlns:r="http://schemas.openxmlformats.org/officeDocument/2006/relationships" xmlns:p="http://schemas.openxmlformats.org/presentationml/2006/main" showMasterSp="0" showMasterPhAnim="0">
   <p:cSld>
     <p:spTree>
       <p:nvGrpSpPr>
-        <p:cNvPr id="61" name="Shape 61"/>
+        <p:cNvPr id="1" name="Shape 61"/>
         <p:cNvGrpSpPr/>
         <p:nvPr/>
       </p:nvGrpSpPr>
@@ -492,9 +611,11 @@
       <p:sp>
         <p:nvSpPr>
           <p:cNvPr id="62" name="Shape 62"/>
-          <p:cNvSpPr/>
+          <p:cNvSpPr>
+            <a:spLocks noGrp="1" noRot="1" noChangeAspect="1"/>
+          </p:cNvSpPr>
           <p:nvPr>
-            <p:ph idx="2" type="sldImg"/>
+            <p:ph type="sldImg" idx="2"/>
           </p:nvPr>
         </p:nvSpPr>
         <p:spPr>
@@ -503,8 +624,13 @@
             <a:ext cx="6096000" cy="3429000"/>
           </a:xfrm>
           <a:custGeom>
+            <a:avLst/>
+            <a:gdLst/>
+            <a:ahLst/>
+            <a:cxnLst/>
+            <a:rect l="0" t="0" r="0" b="0"/>
             <a:pathLst>
-              <a:path extrusionOk="0" h="120000" w="120000">
+              <a:path w="120000" h="120000" extrusionOk="0">
                 <a:moveTo>
                   <a:pt x="0" y="0"/>
                 </a:moveTo>
@@ -526,9 +652,11 @@
       <p:sp>
         <p:nvSpPr>
           <p:cNvPr id="63" name="Shape 63"/>
-          <p:cNvSpPr txBox="1"/>
+          <p:cNvSpPr txBox="1">
+            <a:spLocks noGrp="1"/>
+          </p:cNvSpPr>
           <p:nvPr>
-            <p:ph idx="1" type="body"/>
+            <p:ph type="body" idx="1"/>
           </p:nvPr>
         </p:nvSpPr>
         <p:spPr>
@@ -541,7 +669,7 @@
           </a:prstGeom>
         </p:spPr>
         <p:txBody>
-          <a:bodyPr anchorCtr="0" anchor="t" bIns="91425" lIns="91425" rIns="91425" tIns="91425">
+          <a:bodyPr lIns="91425" tIns="91425" rIns="91425" bIns="91425" anchor="t" anchorCtr="0">
             <a:noAutofit/>
           </a:bodyPr>
           <a:lstStyle/>
@@ -552,9 +680,6 @@
               </a:spcBef>
               <a:buNone/>
             </a:pPr>
-            <a:r>
-              <a:t/>
-            </a:r>
             <a:endParaRPr/>
           </a:p>
         </p:txBody>
@@ -568,11 +693,11 @@
 </file>
 
 <file path=ppt/notesSlides/notesSlide3.xml><?xml version="1.0" encoding="utf-8"?>
-<p:notes xmlns:a="http://schemas.openxmlformats.org/drawingml/2006/main" xmlns:r="http://schemas.openxmlformats.org/officeDocument/2006/relationships" xmlns:mc="http://schemas.openxmlformats.org/markup-compatibility/2006" xmlns:mv="urn:schemas-microsoft-com:mac:vml" xmlns:p="http://schemas.openxmlformats.org/presentationml/2006/main" xmlns:c="http://schemas.openxmlformats.org/drawingml/2006/chart" xmlns:dgm="http://schemas.openxmlformats.org/drawingml/2006/diagram" xmlns:o="urn:schemas-microsoft-com:office:office" xmlns:v="urn:schemas-microsoft-com:vml" xmlns:pvml="urn:schemas-microsoft-com:office:powerpoint" xmlns:com="http://schemas.openxmlformats.org/drawingml/2006/compatibility" xmlns:p14="http://schemas.microsoft.com/office/powerpoint/2010/main" showMasterPhAnim="0" showMasterSp="0">
+<p:notes xmlns:a="http://schemas.openxmlformats.org/drawingml/2006/main" xmlns:r="http://schemas.openxmlformats.org/officeDocument/2006/relationships" xmlns:p="http://schemas.openxmlformats.org/presentationml/2006/main" showMasterSp="0" showMasterPhAnim="0">
   <p:cSld>
     <p:spTree>
       <p:nvGrpSpPr>
-        <p:cNvPr id="69" name="Shape 69"/>
+        <p:cNvPr id="1" name="Shape 69"/>
         <p:cNvGrpSpPr/>
         <p:nvPr/>
       </p:nvGrpSpPr>
@@ -587,9 +712,11 @@
       <p:sp>
         <p:nvSpPr>
           <p:cNvPr id="70" name="Shape 70"/>
-          <p:cNvSpPr/>
+          <p:cNvSpPr>
+            <a:spLocks noGrp="1" noRot="1" noChangeAspect="1"/>
+          </p:cNvSpPr>
           <p:nvPr>
-            <p:ph idx="2" type="sldImg"/>
+            <p:ph type="sldImg" idx="2"/>
           </p:nvPr>
         </p:nvSpPr>
         <p:spPr>
@@ -598,8 +725,13 @@
             <a:ext cx="6096000" cy="3429000"/>
           </a:xfrm>
           <a:custGeom>
+            <a:avLst/>
+            <a:gdLst/>
+            <a:ahLst/>
+            <a:cxnLst/>
+            <a:rect l="0" t="0" r="0" b="0"/>
             <a:pathLst>
-              <a:path extrusionOk="0" h="120000" w="120000">
+              <a:path w="120000" h="120000" extrusionOk="0">
                 <a:moveTo>
                   <a:pt x="0" y="0"/>
                 </a:moveTo>
@@ -621,9 +753,11 @@
       <p:sp>
         <p:nvSpPr>
           <p:cNvPr id="71" name="Shape 71"/>
-          <p:cNvSpPr txBox="1"/>
+          <p:cNvSpPr txBox="1">
+            <a:spLocks noGrp="1"/>
+          </p:cNvSpPr>
           <p:nvPr>
-            <p:ph idx="1" type="body"/>
+            <p:ph type="body" idx="1"/>
           </p:nvPr>
         </p:nvSpPr>
         <p:spPr>
@@ -636,7 +770,7 @@
           </a:prstGeom>
         </p:spPr>
         <p:txBody>
-          <a:bodyPr anchorCtr="0" anchor="t" bIns="91425" lIns="91425" rIns="91425" tIns="91425">
+          <a:bodyPr lIns="91425" tIns="91425" rIns="91425" bIns="91425" anchor="t" anchorCtr="0">
             <a:noAutofit/>
           </a:bodyPr>
           <a:lstStyle/>
@@ -647,9 +781,6 @@
               </a:spcBef>
               <a:buNone/>
             </a:pPr>
-            <a:r>
-              <a:t/>
-            </a:r>
             <a:endParaRPr/>
           </a:p>
         </p:txBody>
@@ -663,11 +794,11 @@
 </file>
 
 <file path=ppt/notesSlides/notesSlide4.xml><?xml version="1.0" encoding="utf-8"?>
-<p:notes xmlns:a="http://schemas.openxmlformats.org/drawingml/2006/main" xmlns:r="http://schemas.openxmlformats.org/officeDocument/2006/relationships" xmlns:mc="http://schemas.openxmlformats.org/markup-compatibility/2006" xmlns:mv="urn:schemas-microsoft-com:mac:vml" xmlns:p="http://schemas.openxmlformats.org/presentationml/2006/main" xmlns:c="http://schemas.openxmlformats.org/drawingml/2006/chart" xmlns:dgm="http://schemas.openxmlformats.org/drawingml/2006/diagram" xmlns:o="urn:schemas-microsoft-com:office:office" xmlns:v="urn:schemas-microsoft-com:vml" xmlns:pvml="urn:schemas-microsoft-com:office:powerpoint" xmlns:com="http://schemas.openxmlformats.org/drawingml/2006/compatibility" xmlns:p14="http://schemas.microsoft.com/office/powerpoint/2010/main" showMasterPhAnim="0" showMasterSp="0">
+<p:notes xmlns:a="http://schemas.openxmlformats.org/drawingml/2006/main" xmlns:r="http://schemas.openxmlformats.org/officeDocument/2006/relationships" xmlns:p="http://schemas.openxmlformats.org/presentationml/2006/main" showMasterSp="0" showMasterPhAnim="0">
   <p:cSld>
     <p:spTree>
       <p:nvGrpSpPr>
-        <p:cNvPr id="83" name="Shape 83"/>
+        <p:cNvPr id="1" name="Shape 83"/>
         <p:cNvGrpSpPr/>
         <p:nvPr/>
       </p:nvGrpSpPr>
@@ -682,9 +813,11 @@
       <p:sp>
         <p:nvSpPr>
           <p:cNvPr id="84" name="Shape 84"/>
-          <p:cNvSpPr/>
+          <p:cNvSpPr>
+            <a:spLocks noGrp="1" noRot="1" noChangeAspect="1"/>
+          </p:cNvSpPr>
           <p:nvPr>
-            <p:ph idx="2" type="sldImg"/>
+            <p:ph type="sldImg" idx="2"/>
           </p:nvPr>
         </p:nvSpPr>
         <p:spPr>
@@ -693,8 +826,13 @@
             <a:ext cx="6096000" cy="3429000"/>
           </a:xfrm>
           <a:custGeom>
+            <a:avLst/>
+            <a:gdLst/>
+            <a:ahLst/>
+            <a:cxnLst/>
+            <a:rect l="0" t="0" r="0" b="0"/>
             <a:pathLst>
-              <a:path extrusionOk="0" h="120000" w="120000">
+              <a:path w="120000" h="120000" extrusionOk="0">
                 <a:moveTo>
                   <a:pt x="0" y="0"/>
                 </a:moveTo>
@@ -716,9 +854,11 @@
       <p:sp>
         <p:nvSpPr>
           <p:cNvPr id="85" name="Shape 85"/>
-          <p:cNvSpPr txBox="1"/>
+          <p:cNvSpPr txBox="1">
+            <a:spLocks noGrp="1"/>
+          </p:cNvSpPr>
           <p:nvPr>
-            <p:ph idx="1" type="body"/>
+            <p:ph type="body" idx="1"/>
           </p:nvPr>
         </p:nvSpPr>
         <p:spPr>
@@ -731,7 +871,7 @@
           </a:prstGeom>
         </p:spPr>
         <p:txBody>
-          <a:bodyPr anchorCtr="0" anchor="t" bIns="91425" lIns="91425" rIns="91425" tIns="91425">
+          <a:bodyPr lIns="91425" tIns="91425" rIns="91425" bIns="91425" anchor="t" anchorCtr="0">
             <a:noAutofit/>
           </a:bodyPr>
           <a:lstStyle/>
@@ -742,9 +882,6 @@
               </a:spcBef>
               <a:buNone/>
             </a:pPr>
-            <a:r>
-              <a:t/>
-            </a:r>
             <a:endParaRPr/>
           </a:p>
         </p:txBody>
@@ -758,18 +895,19 @@
 </file>
 
 <file path=ppt/slideLayouts/slideLayout1.xml><?xml version="1.0" encoding="utf-8"?>
-<p:sldLayout xmlns:a="http://schemas.openxmlformats.org/drawingml/2006/main" xmlns:r="http://schemas.openxmlformats.org/officeDocument/2006/relationships" xmlns:mc="http://schemas.openxmlformats.org/markup-compatibility/2006" xmlns:mv="urn:schemas-microsoft-com:mac:vml" xmlns:p="http://schemas.openxmlformats.org/presentationml/2006/main" xmlns:c="http://schemas.openxmlformats.org/drawingml/2006/chart" xmlns:dgm="http://schemas.openxmlformats.org/drawingml/2006/diagram" xmlns:o="urn:schemas-microsoft-com:office:office" xmlns:v="urn:schemas-microsoft-com:vml" xmlns:pvml="urn:schemas-microsoft-com:office:powerpoint" xmlns:com="http://schemas.openxmlformats.org/drawingml/2006/compatibility" xmlns:p14="http://schemas.microsoft.com/office/powerpoint/2010/main" type="title">
+<p:sldLayout xmlns:a="http://schemas.openxmlformats.org/drawingml/2006/main" xmlns:r="http://schemas.openxmlformats.org/officeDocument/2006/relationships" xmlns:p="http://schemas.openxmlformats.org/presentationml/2006/main" type="title">
   <p:cSld name="Title slide">
     <p:bg>
       <p:bgPr>
         <a:solidFill>
           <a:schemeClr val="dk1"/>
         </a:solidFill>
+        <a:effectLst/>
       </p:bgPr>
     </p:bg>
     <p:spTree>
       <p:nvGrpSpPr>
-        <p:cNvPr id="9" name="Shape 9"/>
+        <p:cNvPr id="1" name="Shape 9"/>
         <p:cNvGrpSpPr/>
         <p:nvPr/>
       </p:nvGrpSpPr>
@@ -803,7 +941,7 @@
           </a:ln>
         </p:spPr>
         <p:txBody>
-          <a:bodyPr anchorCtr="0" anchor="ctr" bIns="91425" lIns="91425" rIns="91425" tIns="91425">
+          <a:bodyPr lIns="91425" tIns="91425" rIns="91425" bIns="91425" anchor="ctr" anchorCtr="0">
             <a:noAutofit/>
           </a:bodyPr>
           <a:lstStyle/>
@@ -814,9 +952,6 @@
               </a:spcBef>
               <a:buNone/>
             </a:pPr>
-            <a:r>
-              <a:t/>
-            </a:r>
             <a:endParaRPr/>
           </a:p>
         </p:txBody>
@@ -836,21 +971,23 @@
             <a:avLst/>
           </a:prstGeom>
           <a:noFill/>
-          <a:ln cap="flat" cmpd="sng" w="28575">
+          <a:ln w="28575" cap="flat" cmpd="sng">
             <a:solidFill>
               <a:schemeClr val="accent1"/>
             </a:solidFill>
             <a:prstDash val="solid"/>
             <a:round/>
-            <a:headEnd len="med" w="med" type="none"/>
-            <a:tailEnd len="med" w="med" type="none"/>
+            <a:headEnd type="none" w="med" len="med"/>
+            <a:tailEnd type="none" w="med" len="med"/>
           </a:ln>
         </p:spPr>
       </p:cxnSp>
       <p:sp>
         <p:nvSpPr>
           <p:cNvPr id="12" name="Shape 12"/>
-          <p:cNvSpPr txBox="1"/>
+          <p:cNvSpPr txBox="1">
+            <a:spLocks noGrp="1"/>
+          </p:cNvSpPr>
           <p:nvPr>
             <p:ph type="ctrTitle"/>
           </p:nvPr>
@@ -865,7 +1002,7 @@
           </a:prstGeom>
         </p:spPr>
         <p:txBody>
-          <a:bodyPr anchorCtr="0" anchor="b" bIns="91425" lIns="91425" rIns="91425" tIns="91425"/>
+          <a:bodyPr lIns="91425" tIns="91425" rIns="91425" bIns="91425" anchor="b" anchorCtr="0"/>
           <a:lstStyle>
             <a:lvl1pPr lvl="0">
               <a:spcBef>
@@ -994,15 +1131,19 @@
               </a:defRPr>
             </a:lvl9pPr>
           </a:lstStyle>
-          <a:p/>
+          <a:p>
+            <a:endParaRPr/>
+          </a:p>
         </p:txBody>
       </p:sp>
       <p:sp>
         <p:nvSpPr>
           <p:cNvPr id="13" name="Shape 13"/>
-          <p:cNvSpPr txBox="1"/>
+          <p:cNvSpPr txBox="1">
+            <a:spLocks noGrp="1"/>
+          </p:cNvSpPr>
           <p:nvPr>
-            <p:ph idx="1" type="subTitle"/>
+            <p:ph type="subTitle" idx="1"/>
           </p:nvPr>
         </p:nvSpPr>
         <p:spPr>
@@ -1015,7 +1156,7 @@
           </a:prstGeom>
         </p:spPr>
         <p:txBody>
-          <a:bodyPr anchorCtr="0" anchor="t" bIns="91425" lIns="91425" rIns="91425" tIns="91425"/>
+          <a:bodyPr lIns="91425" tIns="91425" rIns="91425" bIns="91425" anchor="t" anchorCtr="0"/>
           <a:lstStyle>
             <a:lvl1pPr lvl="0">
               <a:lnSpc>
@@ -1207,15 +1348,19 @@
               </a:defRPr>
             </a:lvl9pPr>
           </a:lstStyle>
-          <a:p/>
+          <a:p>
+            <a:endParaRPr/>
+          </a:p>
         </p:txBody>
       </p:sp>
       <p:sp>
         <p:nvSpPr>
           <p:cNvPr id="14" name="Shape 14"/>
-          <p:cNvSpPr txBox="1"/>
+          <p:cNvSpPr txBox="1">
+            <a:spLocks noGrp="1"/>
+          </p:cNvSpPr>
           <p:nvPr>
-            <p:ph idx="12" type="sldNum"/>
+            <p:ph type="sldNum" idx="12"/>
           </p:nvPr>
         </p:nvSpPr>
         <p:spPr>
@@ -1228,7 +1373,7 @@
           </a:prstGeom>
         </p:spPr>
         <p:txBody>
-          <a:bodyPr anchorCtr="0" anchor="ctr" bIns="91425" lIns="91425" rIns="91425" tIns="91425">
+          <a:bodyPr lIns="91425" tIns="91425" rIns="91425" bIns="91425" anchor="ctr" anchorCtr="0">
             <a:noAutofit/>
           </a:bodyPr>
           <a:lstStyle/>
@@ -1247,6 +1392,11 @@
               </a:rPr>
               <a:t>‹#›</a:t>
             </a:fld>
+            <a:endParaRPr lang="en">
+              <a:solidFill>
+                <a:schemeClr val="accent1"/>
+              </a:solidFill>
+            </a:endParaRPr>
           </a:p>
         </p:txBody>
       </p:sp>
@@ -1259,11 +1409,11 @@
 </file>
 
 <file path=ppt/slideLayouts/slideLayout10.xml><?xml version="1.0" encoding="utf-8"?>
-<p:sldLayout xmlns:a="http://schemas.openxmlformats.org/drawingml/2006/main" xmlns:r="http://schemas.openxmlformats.org/officeDocument/2006/relationships" xmlns:mc="http://schemas.openxmlformats.org/markup-compatibility/2006" xmlns:mv="urn:schemas-microsoft-com:mac:vml" xmlns:p="http://schemas.openxmlformats.org/presentationml/2006/main" xmlns:c="http://schemas.openxmlformats.org/drawingml/2006/chart" xmlns:dgm="http://schemas.openxmlformats.org/drawingml/2006/diagram" xmlns:o="urn:schemas-microsoft-com:office:office" xmlns:v="urn:schemas-microsoft-com:vml" xmlns:pvml="urn:schemas-microsoft-com:office:powerpoint" xmlns:com="http://schemas.openxmlformats.org/drawingml/2006/compatibility" xmlns:p14="http://schemas.microsoft.com/office/powerpoint/2010/main">
+<p:sldLayout xmlns:a="http://schemas.openxmlformats.org/drawingml/2006/main" xmlns:r="http://schemas.openxmlformats.org/officeDocument/2006/relationships" xmlns:p="http://schemas.openxmlformats.org/presentationml/2006/main">
   <p:cSld name="Big number">
     <p:spTree>
       <p:nvGrpSpPr>
-        <p:cNvPr id="49" name="Shape 49"/>
+        <p:cNvPr id="1" name="Shape 49"/>
         <p:cNvGrpSpPr/>
         <p:nvPr/>
       </p:nvGrpSpPr>
@@ -1278,7 +1428,9 @@
       <p:sp>
         <p:nvSpPr>
           <p:cNvPr id="50" name="Shape 50"/>
-          <p:cNvSpPr txBox="1"/>
+          <p:cNvSpPr txBox="1">
+            <a:spLocks noGrp="1"/>
+          </p:cNvSpPr>
           <p:nvPr>
             <p:ph type="title"/>
           </p:nvPr>
@@ -1293,81 +1445,85 @@
           </a:prstGeom>
         </p:spPr>
         <p:txBody>
-          <a:bodyPr anchorCtr="0" anchor="b" bIns="91425" lIns="91425" rIns="91425" tIns="91425"/>
+          <a:bodyPr lIns="91425" tIns="91425" rIns="91425" bIns="91425" anchor="b" anchorCtr="0"/>
           <a:lstStyle>
             <a:lvl1pPr lvl="0" algn="ctr">
               <a:spcBef>
                 <a:spcPts val="0"/>
               </a:spcBef>
               <a:buSzPct val="100000"/>
-              <a:defRPr b="1" sz="14000"/>
+              <a:defRPr sz="14000" b="1"/>
             </a:lvl1pPr>
             <a:lvl2pPr lvl="1" algn="ctr">
               <a:spcBef>
                 <a:spcPts val="0"/>
               </a:spcBef>
               <a:buSzPct val="100000"/>
-              <a:defRPr b="1" sz="14000"/>
+              <a:defRPr sz="14000" b="1"/>
             </a:lvl2pPr>
             <a:lvl3pPr lvl="2" algn="ctr">
               <a:spcBef>
                 <a:spcPts val="0"/>
               </a:spcBef>
               <a:buSzPct val="100000"/>
-              <a:defRPr b="1" sz="14000"/>
+              <a:defRPr sz="14000" b="1"/>
             </a:lvl3pPr>
             <a:lvl4pPr lvl="3" algn="ctr">
               <a:spcBef>
                 <a:spcPts val="0"/>
               </a:spcBef>
               <a:buSzPct val="100000"/>
-              <a:defRPr b="1" sz="14000"/>
+              <a:defRPr sz="14000" b="1"/>
             </a:lvl4pPr>
             <a:lvl5pPr lvl="4" algn="ctr">
               <a:spcBef>
                 <a:spcPts val="0"/>
               </a:spcBef>
               <a:buSzPct val="100000"/>
-              <a:defRPr b="1" sz="14000"/>
+              <a:defRPr sz="14000" b="1"/>
             </a:lvl5pPr>
             <a:lvl6pPr lvl="5" algn="ctr">
               <a:spcBef>
                 <a:spcPts val="0"/>
               </a:spcBef>
               <a:buSzPct val="100000"/>
-              <a:defRPr b="1" sz="14000"/>
+              <a:defRPr sz="14000" b="1"/>
             </a:lvl6pPr>
             <a:lvl7pPr lvl="6" algn="ctr">
               <a:spcBef>
                 <a:spcPts val="0"/>
               </a:spcBef>
               <a:buSzPct val="100000"/>
-              <a:defRPr b="1" sz="14000"/>
+              <a:defRPr sz="14000" b="1"/>
             </a:lvl7pPr>
             <a:lvl8pPr lvl="7" algn="ctr">
               <a:spcBef>
                 <a:spcPts val="0"/>
               </a:spcBef>
               <a:buSzPct val="100000"/>
-              <a:defRPr b="1" sz="14000"/>
+              <a:defRPr sz="14000" b="1"/>
             </a:lvl8pPr>
             <a:lvl9pPr lvl="8" algn="ctr">
               <a:spcBef>
                 <a:spcPts val="0"/>
               </a:spcBef>
               <a:buSzPct val="100000"/>
-              <a:defRPr b="1" sz="14000"/>
+              <a:defRPr sz="14000" b="1"/>
             </a:lvl9pPr>
           </a:lstStyle>
-          <a:p/>
+          <a:p>
+            <a:endParaRPr/>
+          </a:p>
         </p:txBody>
       </p:sp>
       <p:sp>
         <p:nvSpPr>
           <p:cNvPr id="51" name="Shape 51"/>
-          <p:cNvSpPr txBox="1"/>
+          <p:cNvSpPr txBox="1">
+            <a:spLocks noGrp="1"/>
+          </p:cNvSpPr>
           <p:nvPr>
-            <p:ph idx="1" type="body"/>
+            <p:ph type="body" idx="1"/>
           </p:nvPr>
         </p:nvSpPr>
         <p:spPr>
@@ -1380,7 +1536,7 @@
           </a:prstGeom>
         </p:spPr>
         <p:txBody>
-          <a:bodyPr anchorCtr="0" anchor="t" bIns="91425" lIns="91425" rIns="91425" tIns="91425"/>
+          <a:bodyPr lIns="91425" tIns="91425" rIns="91425" bIns="91425" anchor="t" anchorCtr="0"/>
           <a:lstStyle>
             <a:lvl1pPr lvl="0" algn="ctr">
               <a:spcBef>
@@ -1437,15 +1593,19 @@
               <a:defRPr/>
             </a:lvl9pPr>
           </a:lstStyle>
-          <a:p/>
+          <a:p>
+            <a:endParaRPr/>
+          </a:p>
         </p:txBody>
       </p:sp>
       <p:sp>
         <p:nvSpPr>
           <p:cNvPr id="52" name="Shape 52"/>
-          <p:cNvSpPr txBox="1"/>
+          <p:cNvSpPr txBox="1">
+            <a:spLocks noGrp="1"/>
+          </p:cNvSpPr>
           <p:nvPr>
-            <p:ph idx="12" type="sldNum"/>
+            <p:ph type="sldNum" idx="12"/>
           </p:nvPr>
         </p:nvSpPr>
         <p:spPr>
@@ -1458,7 +1618,7 @@
           </a:prstGeom>
         </p:spPr>
         <p:txBody>
-          <a:bodyPr anchorCtr="0" anchor="ctr" bIns="91425" lIns="91425" rIns="91425" tIns="91425">
+          <a:bodyPr lIns="91425" tIns="91425" rIns="91425" bIns="91425" anchor="ctr" anchorCtr="0">
             <a:noAutofit/>
           </a:bodyPr>
           <a:lstStyle/>
@@ -1473,6 +1633,7 @@
               <a:rPr lang="en"/>
               <a:t>‹#›</a:t>
             </a:fld>
+            <a:endParaRPr lang="en"/>
           </a:p>
         </p:txBody>
       </p:sp>
@@ -1485,11 +1646,11 @@
 </file>
 
 <file path=ppt/slideLayouts/slideLayout11.xml><?xml version="1.0" encoding="utf-8"?>
-<p:sldLayout xmlns:a="http://schemas.openxmlformats.org/drawingml/2006/main" xmlns:r="http://schemas.openxmlformats.org/officeDocument/2006/relationships" xmlns:mc="http://schemas.openxmlformats.org/markup-compatibility/2006" xmlns:mv="urn:schemas-microsoft-com:mac:vml" xmlns:p="http://schemas.openxmlformats.org/presentationml/2006/main" xmlns:c="http://schemas.openxmlformats.org/drawingml/2006/chart" xmlns:dgm="http://schemas.openxmlformats.org/drawingml/2006/diagram" xmlns:o="urn:schemas-microsoft-com:office:office" xmlns:v="urn:schemas-microsoft-com:vml" xmlns:pvml="urn:schemas-microsoft-com:office:powerpoint" xmlns:com="http://schemas.openxmlformats.org/drawingml/2006/compatibility" xmlns:p14="http://schemas.microsoft.com/office/powerpoint/2010/main" type="blank">
+<p:sldLayout xmlns:a="http://schemas.openxmlformats.org/drawingml/2006/main" xmlns:r="http://schemas.openxmlformats.org/officeDocument/2006/relationships" xmlns:p="http://schemas.openxmlformats.org/presentationml/2006/main" type="blank">
   <p:cSld name="Blank">
     <p:spTree>
       <p:nvGrpSpPr>
-        <p:cNvPr id="53" name="Shape 53"/>
+        <p:cNvPr id="1" name="Shape 53"/>
         <p:cNvGrpSpPr/>
         <p:nvPr/>
       </p:nvGrpSpPr>
@@ -1504,9 +1665,11 @@
       <p:sp>
         <p:nvSpPr>
           <p:cNvPr id="54" name="Shape 54"/>
-          <p:cNvSpPr txBox="1"/>
+          <p:cNvSpPr txBox="1">
+            <a:spLocks noGrp="1"/>
+          </p:cNvSpPr>
           <p:nvPr>
-            <p:ph idx="12" type="sldNum"/>
+            <p:ph type="sldNum" idx="12"/>
           </p:nvPr>
         </p:nvSpPr>
         <p:spPr>
@@ -1519,7 +1682,7 @@
           </a:prstGeom>
         </p:spPr>
         <p:txBody>
-          <a:bodyPr anchorCtr="0" anchor="ctr" bIns="91425" lIns="91425" rIns="91425" tIns="91425">
+          <a:bodyPr lIns="91425" tIns="91425" rIns="91425" bIns="91425" anchor="ctr" anchorCtr="0">
             <a:noAutofit/>
           </a:bodyPr>
           <a:lstStyle/>
@@ -1534,6 +1697,7 @@
               <a:rPr lang="en"/>
               <a:t>‹#›</a:t>
             </a:fld>
+            <a:endParaRPr lang="en"/>
           </a:p>
         </p:txBody>
       </p:sp>
@@ -1546,18 +1710,19 @@
 </file>
 
 <file path=ppt/slideLayouts/slideLayout2.xml><?xml version="1.0" encoding="utf-8"?>
-<p:sldLayout xmlns:a="http://schemas.openxmlformats.org/drawingml/2006/main" xmlns:r="http://schemas.openxmlformats.org/officeDocument/2006/relationships" xmlns:mc="http://schemas.openxmlformats.org/markup-compatibility/2006" xmlns:mv="urn:schemas-microsoft-com:mac:vml" xmlns:p="http://schemas.openxmlformats.org/presentationml/2006/main" xmlns:c="http://schemas.openxmlformats.org/drawingml/2006/chart" xmlns:dgm="http://schemas.openxmlformats.org/drawingml/2006/diagram" xmlns:o="urn:schemas-microsoft-com:office:office" xmlns:v="urn:schemas-microsoft-com:vml" xmlns:pvml="urn:schemas-microsoft-com:office:powerpoint" xmlns:com="http://schemas.openxmlformats.org/drawingml/2006/compatibility" xmlns:p14="http://schemas.microsoft.com/office/powerpoint/2010/main" type="secHead">
+<p:sldLayout xmlns:a="http://schemas.openxmlformats.org/drawingml/2006/main" xmlns:r="http://schemas.openxmlformats.org/officeDocument/2006/relationships" xmlns:p="http://schemas.openxmlformats.org/presentationml/2006/main" type="secHead">
   <p:cSld name="Section header">
     <p:bg>
       <p:bgPr>
         <a:solidFill>
           <a:schemeClr val="dk1"/>
         </a:solidFill>
+        <a:effectLst/>
       </p:bgPr>
     </p:bg>
     <p:spTree>
       <p:nvGrpSpPr>
-        <p:cNvPr id="15" name="Shape 15"/>
+        <p:cNvPr id="1" name="Shape 15"/>
         <p:cNvGrpSpPr/>
         <p:nvPr/>
       </p:nvGrpSpPr>
@@ -1584,21 +1749,23 @@
             <a:avLst/>
           </a:prstGeom>
           <a:noFill/>
-          <a:ln cap="flat" cmpd="sng" w="28575">
+          <a:ln w="28575" cap="flat" cmpd="sng">
             <a:solidFill>
               <a:schemeClr val="lt2"/>
             </a:solidFill>
             <a:prstDash val="solid"/>
             <a:round/>
-            <a:headEnd len="med" w="med" type="none"/>
-            <a:tailEnd len="med" w="med" type="none"/>
+            <a:headEnd type="none" w="med" len="med"/>
+            <a:tailEnd type="none" w="med" len="med"/>
           </a:ln>
         </p:spPr>
       </p:cxnSp>
       <p:sp>
         <p:nvSpPr>
           <p:cNvPr id="17" name="Shape 17"/>
-          <p:cNvSpPr txBox="1"/>
+          <p:cNvSpPr txBox="1">
+            <a:spLocks noGrp="1"/>
+          </p:cNvSpPr>
           <p:nvPr>
             <p:ph type="title"/>
           </p:nvPr>
@@ -1613,7 +1780,7 @@
           </a:prstGeom>
         </p:spPr>
         <p:txBody>
-          <a:bodyPr anchorCtr="0" anchor="b" bIns="91425" lIns="91425" rIns="91425" tIns="91425"/>
+          <a:bodyPr lIns="91425" tIns="91425" rIns="91425" bIns="91425" anchor="b" anchorCtr="0"/>
           <a:lstStyle>
             <a:lvl1pPr lvl="0">
               <a:spcBef>
@@ -1742,15 +1909,19 @@
               </a:defRPr>
             </a:lvl9pPr>
           </a:lstStyle>
-          <a:p/>
+          <a:p>
+            <a:endParaRPr/>
+          </a:p>
         </p:txBody>
       </p:sp>
       <p:sp>
         <p:nvSpPr>
           <p:cNvPr id="18" name="Shape 18"/>
-          <p:cNvSpPr txBox="1"/>
+          <p:cNvSpPr txBox="1">
+            <a:spLocks noGrp="1"/>
+          </p:cNvSpPr>
           <p:nvPr>
-            <p:ph idx="12" type="sldNum"/>
+            <p:ph type="sldNum" idx="12"/>
           </p:nvPr>
         </p:nvSpPr>
         <p:spPr>
@@ -1763,7 +1934,7 @@
           </a:prstGeom>
         </p:spPr>
         <p:txBody>
-          <a:bodyPr anchorCtr="0" anchor="ctr" bIns="91425" lIns="91425" rIns="91425" tIns="91425">
+          <a:bodyPr lIns="91425" tIns="91425" rIns="91425" bIns="91425" anchor="ctr" anchorCtr="0">
             <a:noAutofit/>
           </a:bodyPr>
           <a:lstStyle/>
@@ -1782,6 +1953,11 @@
               </a:rPr>
               <a:t>‹#›</a:t>
             </a:fld>
+            <a:endParaRPr lang="en">
+              <a:solidFill>
+                <a:schemeClr val="accent1"/>
+              </a:solidFill>
+            </a:endParaRPr>
           </a:p>
         </p:txBody>
       </p:sp>
@@ -1794,11 +1970,11 @@
 </file>
 
 <file path=ppt/slideLayouts/slideLayout3.xml><?xml version="1.0" encoding="utf-8"?>
-<p:sldLayout xmlns:a="http://schemas.openxmlformats.org/drawingml/2006/main" xmlns:r="http://schemas.openxmlformats.org/officeDocument/2006/relationships" xmlns:mc="http://schemas.openxmlformats.org/markup-compatibility/2006" xmlns:mv="urn:schemas-microsoft-com:mac:vml" xmlns:p="http://schemas.openxmlformats.org/presentationml/2006/main" xmlns:c="http://schemas.openxmlformats.org/drawingml/2006/chart" xmlns:dgm="http://schemas.openxmlformats.org/drawingml/2006/diagram" xmlns:o="urn:schemas-microsoft-com:office:office" xmlns:v="urn:schemas-microsoft-com:vml" xmlns:pvml="urn:schemas-microsoft-com:office:powerpoint" xmlns:com="http://schemas.openxmlformats.org/drawingml/2006/compatibility" xmlns:p14="http://schemas.microsoft.com/office/powerpoint/2010/main" type="tx">
+<p:sldLayout xmlns:a="http://schemas.openxmlformats.org/drawingml/2006/main" xmlns:r="http://schemas.openxmlformats.org/officeDocument/2006/relationships" xmlns:p="http://schemas.openxmlformats.org/presentationml/2006/main" type="tx">
   <p:cSld name="Title and body">
     <p:spTree>
       <p:nvGrpSpPr>
-        <p:cNvPr id="19" name="Shape 19"/>
+        <p:cNvPr id="1" name="Shape 19"/>
         <p:cNvGrpSpPr/>
         <p:nvPr/>
       </p:nvGrpSpPr>
@@ -1832,7 +2008,7 @@
           </a:ln>
         </p:spPr>
         <p:txBody>
-          <a:bodyPr anchorCtr="0" anchor="ctr" bIns="91425" lIns="91425" rIns="91425" tIns="91425">
+          <a:bodyPr lIns="91425" tIns="91425" rIns="91425" bIns="91425" anchor="ctr" anchorCtr="0">
             <a:noAutofit/>
           </a:bodyPr>
           <a:lstStyle/>
@@ -1843,9 +2019,6 @@
               </a:spcBef>
               <a:buNone/>
             </a:pPr>
-            <a:r>
-              <a:t/>
-            </a:r>
             <a:endParaRPr/>
           </a:p>
         </p:txBody>
@@ -1853,7 +2026,9 @@
       <p:sp>
         <p:nvSpPr>
           <p:cNvPr id="21" name="Shape 21"/>
-          <p:cNvSpPr txBox="1"/>
+          <p:cNvSpPr txBox="1">
+            <a:spLocks noGrp="1"/>
+          </p:cNvSpPr>
           <p:nvPr>
             <p:ph type="title"/>
           </p:nvPr>
@@ -1868,7 +2043,7 @@
           </a:prstGeom>
         </p:spPr>
         <p:txBody>
-          <a:bodyPr anchorCtr="0" anchor="t" bIns="91425" lIns="91425" rIns="91425" tIns="91425"/>
+          <a:bodyPr lIns="91425" tIns="91425" rIns="91425" bIns="91425" anchor="t" anchorCtr="0"/>
           <a:lstStyle>
             <a:lvl1pPr lvl="0">
               <a:spcBef>
@@ -1925,15 +2100,19 @@
               <a:defRPr/>
             </a:lvl9pPr>
           </a:lstStyle>
-          <a:p/>
+          <a:p>
+            <a:endParaRPr/>
+          </a:p>
         </p:txBody>
       </p:sp>
       <p:sp>
         <p:nvSpPr>
           <p:cNvPr id="22" name="Shape 22"/>
-          <p:cNvSpPr txBox="1"/>
+          <p:cNvSpPr txBox="1">
+            <a:spLocks noGrp="1"/>
+          </p:cNvSpPr>
           <p:nvPr>
-            <p:ph idx="1" type="body"/>
+            <p:ph type="body" idx="1"/>
           </p:nvPr>
         </p:nvSpPr>
         <p:spPr>
@@ -1946,7 +2125,7 @@
           </a:prstGeom>
         </p:spPr>
         <p:txBody>
-          <a:bodyPr anchorCtr="0" anchor="t" bIns="91425" lIns="91425" rIns="91425" tIns="91425"/>
+          <a:bodyPr lIns="91425" tIns="91425" rIns="91425" bIns="91425" anchor="t" anchorCtr="0"/>
           <a:lstStyle>
             <a:lvl1pPr lvl="0">
               <a:spcBef>
@@ -2003,15 +2182,19 @@
               <a:defRPr/>
             </a:lvl9pPr>
           </a:lstStyle>
-          <a:p/>
+          <a:p>
+            <a:endParaRPr/>
+          </a:p>
         </p:txBody>
       </p:sp>
       <p:sp>
         <p:nvSpPr>
           <p:cNvPr id="23" name="Shape 23"/>
-          <p:cNvSpPr txBox="1"/>
+          <p:cNvSpPr txBox="1">
+            <a:spLocks noGrp="1"/>
+          </p:cNvSpPr>
           <p:nvPr>
-            <p:ph idx="12" type="sldNum"/>
+            <p:ph type="sldNum" idx="12"/>
           </p:nvPr>
         </p:nvSpPr>
         <p:spPr>
@@ -2024,7 +2207,7 @@
           </a:prstGeom>
         </p:spPr>
         <p:txBody>
-          <a:bodyPr anchorCtr="0" anchor="ctr" bIns="91425" lIns="91425" rIns="91425" tIns="91425">
+          <a:bodyPr lIns="91425" tIns="91425" rIns="91425" bIns="91425" anchor="ctr" anchorCtr="0">
             <a:noAutofit/>
           </a:bodyPr>
           <a:lstStyle/>
@@ -2039,6 +2222,7 @@
               <a:rPr lang="en"/>
               <a:t>‹#›</a:t>
             </a:fld>
+            <a:endParaRPr lang="en"/>
           </a:p>
         </p:txBody>
       </p:sp>
@@ -2051,11 +2235,11 @@
 </file>
 
 <file path=ppt/slideLayouts/slideLayout4.xml><?xml version="1.0" encoding="utf-8"?>
-<p:sldLayout xmlns:a="http://schemas.openxmlformats.org/drawingml/2006/main" xmlns:r="http://schemas.openxmlformats.org/officeDocument/2006/relationships" xmlns:mc="http://schemas.openxmlformats.org/markup-compatibility/2006" xmlns:mv="urn:schemas-microsoft-com:mac:vml" xmlns:p="http://schemas.openxmlformats.org/presentationml/2006/main" xmlns:c="http://schemas.openxmlformats.org/drawingml/2006/chart" xmlns:dgm="http://schemas.openxmlformats.org/drawingml/2006/diagram" xmlns:o="urn:schemas-microsoft-com:office:office" xmlns:v="urn:schemas-microsoft-com:vml" xmlns:pvml="urn:schemas-microsoft-com:office:powerpoint" xmlns:com="http://schemas.openxmlformats.org/drawingml/2006/compatibility" xmlns:p14="http://schemas.microsoft.com/office/powerpoint/2010/main" type="twoColTx">
+<p:sldLayout xmlns:a="http://schemas.openxmlformats.org/drawingml/2006/main" xmlns:r="http://schemas.openxmlformats.org/officeDocument/2006/relationships" xmlns:p="http://schemas.openxmlformats.org/presentationml/2006/main" type="twoColTx">
   <p:cSld name="Title and two columns">
     <p:spTree>
       <p:nvGrpSpPr>
-        <p:cNvPr id="24" name="Shape 24"/>
+        <p:cNvPr id="1" name="Shape 24"/>
         <p:cNvGrpSpPr/>
         <p:nvPr/>
       </p:nvGrpSpPr>
@@ -2070,7 +2254,9 @@
       <p:sp>
         <p:nvSpPr>
           <p:cNvPr id="25" name="Shape 25"/>
-          <p:cNvSpPr txBox="1"/>
+          <p:cNvSpPr txBox="1">
+            <a:spLocks noGrp="1"/>
+          </p:cNvSpPr>
           <p:nvPr>
             <p:ph type="title"/>
           </p:nvPr>
@@ -2085,7 +2271,7 @@
           </a:prstGeom>
         </p:spPr>
         <p:txBody>
-          <a:bodyPr anchorCtr="0" anchor="t" bIns="91425" lIns="91425" rIns="91425" tIns="91425"/>
+          <a:bodyPr lIns="91425" tIns="91425" rIns="91425" bIns="91425" anchor="t" anchorCtr="0"/>
           <a:lstStyle>
             <a:lvl1pPr lvl="0">
               <a:spcBef>
@@ -2142,15 +2328,19 @@
               <a:defRPr/>
             </a:lvl9pPr>
           </a:lstStyle>
-          <a:p/>
+          <a:p>
+            <a:endParaRPr/>
+          </a:p>
         </p:txBody>
       </p:sp>
       <p:sp>
         <p:nvSpPr>
           <p:cNvPr id="26" name="Shape 26"/>
-          <p:cNvSpPr txBox="1"/>
+          <p:cNvSpPr txBox="1">
+            <a:spLocks noGrp="1"/>
+          </p:cNvSpPr>
           <p:nvPr>
-            <p:ph idx="1" type="body"/>
+            <p:ph type="body" idx="1"/>
           </p:nvPr>
         </p:nvSpPr>
         <p:spPr>
@@ -2163,7 +2353,7 @@
           </a:prstGeom>
         </p:spPr>
         <p:txBody>
-          <a:bodyPr anchorCtr="0" anchor="t" bIns="91425" lIns="91425" rIns="91425" tIns="91425"/>
+          <a:bodyPr lIns="91425" tIns="91425" rIns="91425" bIns="91425" anchor="t" anchorCtr="0"/>
           <a:lstStyle>
             <a:lvl1pPr lvl="0">
               <a:spcBef>
@@ -2229,15 +2419,19 @@
               <a:defRPr sz="1200"/>
             </a:lvl9pPr>
           </a:lstStyle>
-          <a:p/>
+          <a:p>
+            <a:endParaRPr/>
+          </a:p>
         </p:txBody>
       </p:sp>
       <p:sp>
         <p:nvSpPr>
           <p:cNvPr id="27" name="Shape 27"/>
-          <p:cNvSpPr txBox="1"/>
+          <p:cNvSpPr txBox="1">
+            <a:spLocks noGrp="1"/>
+          </p:cNvSpPr>
           <p:nvPr>
-            <p:ph idx="2" type="body"/>
+            <p:ph type="body" idx="2"/>
           </p:nvPr>
         </p:nvSpPr>
         <p:spPr>
@@ -2250,7 +2444,7 @@
           </a:prstGeom>
         </p:spPr>
         <p:txBody>
-          <a:bodyPr anchorCtr="0" anchor="t" bIns="91425" lIns="91425" rIns="91425" tIns="91425"/>
+          <a:bodyPr lIns="91425" tIns="91425" rIns="91425" bIns="91425" anchor="t" anchorCtr="0"/>
           <a:lstStyle>
             <a:lvl1pPr lvl="0">
               <a:spcBef>
@@ -2316,15 +2510,19 @@
               <a:defRPr sz="1200"/>
             </a:lvl9pPr>
           </a:lstStyle>
-          <a:p/>
+          <a:p>
+            <a:endParaRPr/>
+          </a:p>
         </p:txBody>
       </p:sp>
       <p:sp>
         <p:nvSpPr>
           <p:cNvPr id="28" name="Shape 28"/>
-          <p:cNvSpPr txBox="1"/>
+          <p:cNvSpPr txBox="1">
+            <a:spLocks noGrp="1"/>
+          </p:cNvSpPr>
           <p:nvPr>
-            <p:ph idx="12" type="sldNum"/>
+            <p:ph type="sldNum" idx="12"/>
           </p:nvPr>
         </p:nvSpPr>
         <p:spPr>
@@ -2337,7 +2535,7 @@
           </a:prstGeom>
         </p:spPr>
         <p:txBody>
-          <a:bodyPr anchorCtr="0" anchor="ctr" bIns="91425" lIns="91425" rIns="91425" tIns="91425">
+          <a:bodyPr lIns="91425" tIns="91425" rIns="91425" bIns="91425" anchor="ctr" anchorCtr="0">
             <a:noAutofit/>
           </a:bodyPr>
           <a:lstStyle/>
@@ -2352,6 +2550,7 @@
               <a:rPr lang="en"/>
               <a:t>‹#›</a:t>
             </a:fld>
+            <a:endParaRPr lang="en"/>
           </a:p>
         </p:txBody>
       </p:sp>
@@ -2364,11 +2563,11 @@
 </file>
 
 <file path=ppt/slideLayouts/slideLayout5.xml><?xml version="1.0" encoding="utf-8"?>
-<p:sldLayout xmlns:a="http://schemas.openxmlformats.org/drawingml/2006/main" xmlns:r="http://schemas.openxmlformats.org/officeDocument/2006/relationships" xmlns:mc="http://schemas.openxmlformats.org/markup-compatibility/2006" xmlns:mv="urn:schemas-microsoft-com:mac:vml" xmlns:p="http://schemas.openxmlformats.org/presentationml/2006/main" xmlns:c="http://schemas.openxmlformats.org/drawingml/2006/chart" xmlns:dgm="http://schemas.openxmlformats.org/drawingml/2006/diagram" xmlns:o="urn:schemas-microsoft-com:office:office" xmlns:v="urn:schemas-microsoft-com:vml" xmlns:pvml="urn:schemas-microsoft-com:office:powerpoint" xmlns:com="http://schemas.openxmlformats.org/drawingml/2006/compatibility" xmlns:p14="http://schemas.microsoft.com/office/powerpoint/2010/main" type="titleOnly">
+<p:sldLayout xmlns:a="http://schemas.openxmlformats.org/drawingml/2006/main" xmlns:r="http://schemas.openxmlformats.org/officeDocument/2006/relationships" xmlns:p="http://schemas.openxmlformats.org/presentationml/2006/main" type="titleOnly">
   <p:cSld name="Title only">
     <p:spTree>
       <p:nvGrpSpPr>
-        <p:cNvPr id="29" name="Shape 29"/>
+        <p:cNvPr id="1" name="Shape 29"/>
         <p:cNvGrpSpPr/>
         <p:nvPr/>
       </p:nvGrpSpPr>
@@ -2383,7 +2582,9 @@
       <p:sp>
         <p:nvSpPr>
           <p:cNvPr id="30" name="Shape 30"/>
-          <p:cNvSpPr txBox="1"/>
+          <p:cNvSpPr txBox="1">
+            <a:spLocks noGrp="1"/>
+          </p:cNvSpPr>
           <p:nvPr>
             <p:ph type="title"/>
           </p:nvPr>
@@ -2398,7 +2599,7 @@
           </a:prstGeom>
         </p:spPr>
         <p:txBody>
-          <a:bodyPr anchorCtr="0" anchor="t" bIns="91425" lIns="91425" rIns="91425" tIns="91425"/>
+          <a:bodyPr lIns="91425" tIns="91425" rIns="91425" bIns="91425" anchor="t" anchorCtr="0"/>
           <a:lstStyle>
             <a:lvl1pPr lvl="0">
               <a:spcBef>
@@ -2455,15 +2656,19 @@
               <a:defRPr/>
             </a:lvl9pPr>
           </a:lstStyle>
-          <a:p/>
+          <a:p>
+            <a:endParaRPr/>
+          </a:p>
         </p:txBody>
       </p:sp>
       <p:sp>
         <p:nvSpPr>
           <p:cNvPr id="31" name="Shape 31"/>
-          <p:cNvSpPr txBox="1"/>
+          <p:cNvSpPr txBox="1">
+            <a:spLocks noGrp="1"/>
+          </p:cNvSpPr>
           <p:nvPr>
-            <p:ph idx="12" type="sldNum"/>
+            <p:ph type="sldNum" idx="12"/>
           </p:nvPr>
         </p:nvSpPr>
         <p:spPr>
@@ -2476,7 +2681,7 @@
           </a:prstGeom>
         </p:spPr>
         <p:txBody>
-          <a:bodyPr anchorCtr="0" anchor="ctr" bIns="91425" lIns="91425" rIns="91425" tIns="91425">
+          <a:bodyPr lIns="91425" tIns="91425" rIns="91425" bIns="91425" anchor="ctr" anchorCtr="0">
             <a:noAutofit/>
           </a:bodyPr>
           <a:lstStyle/>
@@ -2491,6 +2696,7 @@
               <a:rPr lang="en"/>
               <a:t>‹#›</a:t>
             </a:fld>
+            <a:endParaRPr lang="en"/>
           </a:p>
         </p:txBody>
       </p:sp>
@@ -2503,11 +2709,11 @@
 </file>
 
 <file path=ppt/slideLayouts/slideLayout6.xml><?xml version="1.0" encoding="utf-8"?>
-<p:sldLayout xmlns:a="http://schemas.openxmlformats.org/drawingml/2006/main" xmlns:r="http://schemas.openxmlformats.org/officeDocument/2006/relationships" xmlns:mc="http://schemas.openxmlformats.org/markup-compatibility/2006" xmlns:mv="urn:schemas-microsoft-com:mac:vml" xmlns:p="http://schemas.openxmlformats.org/presentationml/2006/main" xmlns:c="http://schemas.openxmlformats.org/drawingml/2006/chart" xmlns:dgm="http://schemas.openxmlformats.org/drawingml/2006/diagram" xmlns:o="urn:schemas-microsoft-com:office:office" xmlns:v="urn:schemas-microsoft-com:vml" xmlns:pvml="urn:schemas-microsoft-com:office:powerpoint" xmlns:com="http://schemas.openxmlformats.org/drawingml/2006/compatibility" xmlns:p14="http://schemas.microsoft.com/office/powerpoint/2010/main">
+<p:sldLayout xmlns:a="http://schemas.openxmlformats.org/drawingml/2006/main" xmlns:r="http://schemas.openxmlformats.org/officeDocument/2006/relationships" xmlns:p="http://schemas.openxmlformats.org/presentationml/2006/main">
   <p:cSld name="One column text">
     <p:spTree>
       <p:nvGrpSpPr>
-        <p:cNvPr id="32" name="Shape 32"/>
+        <p:cNvPr id="1" name="Shape 32"/>
         <p:cNvGrpSpPr/>
         <p:nvPr/>
       </p:nvGrpSpPr>
@@ -2522,7 +2728,9 @@
       <p:sp>
         <p:nvSpPr>
           <p:cNvPr id="33" name="Shape 33"/>
-          <p:cNvSpPr txBox="1"/>
+          <p:cNvSpPr txBox="1">
+            <a:spLocks noGrp="1"/>
+          </p:cNvSpPr>
           <p:nvPr>
             <p:ph type="title"/>
           </p:nvPr>
@@ -2537,7 +2745,7 @@
           </a:prstGeom>
         </p:spPr>
         <p:txBody>
-          <a:bodyPr anchorCtr="0" anchor="b" bIns="91425" lIns="91425" rIns="91425" tIns="91425"/>
+          <a:bodyPr lIns="91425" tIns="91425" rIns="91425" bIns="91425" anchor="b" anchorCtr="0"/>
           <a:lstStyle>
             <a:lvl1pPr lvl="0">
               <a:spcBef>
@@ -2603,15 +2811,19 @@
               <a:defRPr sz="2400"/>
             </a:lvl9pPr>
           </a:lstStyle>
-          <a:p/>
+          <a:p>
+            <a:endParaRPr/>
+          </a:p>
         </p:txBody>
       </p:sp>
       <p:sp>
         <p:nvSpPr>
           <p:cNvPr id="34" name="Shape 34"/>
-          <p:cNvSpPr txBox="1"/>
+          <p:cNvSpPr txBox="1">
+            <a:spLocks noGrp="1"/>
+          </p:cNvSpPr>
           <p:nvPr>
-            <p:ph idx="1" type="body"/>
+            <p:ph type="body" idx="1"/>
           </p:nvPr>
         </p:nvSpPr>
         <p:spPr>
@@ -2624,7 +2836,7 @@
           </a:prstGeom>
         </p:spPr>
         <p:txBody>
-          <a:bodyPr anchorCtr="0" anchor="t" bIns="91425" lIns="91425" rIns="91425" tIns="91425"/>
+          <a:bodyPr lIns="91425" tIns="91425" rIns="91425" bIns="91425" anchor="t" anchorCtr="0"/>
           <a:lstStyle>
             <a:lvl1pPr lvl="0">
               <a:spcBef>
@@ -2690,15 +2902,19 @@
               <a:defRPr sz="1200"/>
             </a:lvl9pPr>
           </a:lstStyle>
-          <a:p/>
+          <a:p>
+            <a:endParaRPr/>
+          </a:p>
         </p:txBody>
       </p:sp>
       <p:sp>
         <p:nvSpPr>
           <p:cNvPr id="35" name="Shape 35"/>
-          <p:cNvSpPr txBox="1"/>
+          <p:cNvSpPr txBox="1">
+            <a:spLocks noGrp="1"/>
+          </p:cNvSpPr>
           <p:nvPr>
-            <p:ph idx="12" type="sldNum"/>
+            <p:ph type="sldNum" idx="12"/>
           </p:nvPr>
         </p:nvSpPr>
         <p:spPr>
@@ -2711,7 +2927,7 @@
           </a:prstGeom>
         </p:spPr>
         <p:txBody>
-          <a:bodyPr anchorCtr="0" anchor="ctr" bIns="91425" lIns="91425" rIns="91425" tIns="91425">
+          <a:bodyPr lIns="91425" tIns="91425" rIns="91425" bIns="91425" anchor="ctr" anchorCtr="0">
             <a:noAutofit/>
           </a:bodyPr>
           <a:lstStyle/>
@@ -2726,6 +2942,7 @@
               <a:rPr lang="en"/>
               <a:t>‹#›</a:t>
             </a:fld>
+            <a:endParaRPr lang="en"/>
           </a:p>
         </p:txBody>
       </p:sp>
@@ -2738,18 +2955,19 @@
 </file>
 
 <file path=ppt/slideLayouts/slideLayout7.xml><?xml version="1.0" encoding="utf-8"?>
-<p:sldLayout xmlns:a="http://schemas.openxmlformats.org/drawingml/2006/main" xmlns:r="http://schemas.openxmlformats.org/officeDocument/2006/relationships" xmlns:mc="http://schemas.openxmlformats.org/markup-compatibility/2006" xmlns:mv="urn:schemas-microsoft-com:mac:vml" xmlns:p="http://schemas.openxmlformats.org/presentationml/2006/main" xmlns:c="http://schemas.openxmlformats.org/drawingml/2006/chart" xmlns:dgm="http://schemas.openxmlformats.org/drawingml/2006/diagram" xmlns:o="urn:schemas-microsoft-com:office:office" xmlns:v="urn:schemas-microsoft-com:vml" xmlns:pvml="urn:schemas-microsoft-com:office:powerpoint" xmlns:com="http://schemas.openxmlformats.org/drawingml/2006/compatibility" xmlns:p14="http://schemas.microsoft.com/office/powerpoint/2010/main">
+<p:sldLayout xmlns:a="http://schemas.openxmlformats.org/drawingml/2006/main" xmlns:r="http://schemas.openxmlformats.org/officeDocument/2006/relationships" xmlns:p="http://schemas.openxmlformats.org/presentationml/2006/main">
   <p:cSld name="Main point">
     <p:bg>
       <p:bgPr>
         <a:solidFill>
           <a:schemeClr val="lt2"/>
         </a:solidFill>
+        <a:effectLst/>
       </p:bgPr>
     </p:bg>
     <p:spTree>
       <p:nvGrpSpPr>
-        <p:cNvPr id="36" name="Shape 36"/>
+        <p:cNvPr id="1" name="Shape 36"/>
         <p:cNvGrpSpPr/>
         <p:nvPr/>
       </p:nvGrpSpPr>
@@ -2764,7 +2982,9 @@
       <p:sp>
         <p:nvSpPr>
           <p:cNvPr id="37" name="Shape 37"/>
-          <p:cNvSpPr txBox="1"/>
+          <p:cNvSpPr txBox="1">
+            <a:spLocks noGrp="1"/>
+          </p:cNvSpPr>
           <p:nvPr>
             <p:ph type="title"/>
           </p:nvPr>
@@ -2779,7 +2999,7 @@
           </a:prstGeom>
         </p:spPr>
         <p:txBody>
-          <a:bodyPr anchorCtr="0" anchor="ctr" bIns="91425" lIns="91425" rIns="91425" tIns="91425"/>
+          <a:bodyPr lIns="91425" tIns="91425" rIns="91425" bIns="91425" anchor="ctr" anchorCtr="0"/>
           <a:lstStyle>
             <a:lvl1pPr lvl="0">
               <a:spcBef>
@@ -2908,15 +3128,19 @@
               </a:defRPr>
             </a:lvl9pPr>
           </a:lstStyle>
-          <a:p/>
+          <a:p>
+            <a:endParaRPr/>
+          </a:p>
         </p:txBody>
       </p:sp>
       <p:sp>
         <p:nvSpPr>
           <p:cNvPr id="38" name="Shape 38"/>
-          <p:cNvSpPr txBox="1"/>
+          <p:cNvSpPr txBox="1">
+            <a:spLocks noGrp="1"/>
+          </p:cNvSpPr>
           <p:nvPr>
-            <p:ph idx="12" type="sldNum"/>
+            <p:ph type="sldNum" idx="12"/>
           </p:nvPr>
         </p:nvSpPr>
         <p:spPr>
@@ -2929,7 +3153,7 @@
           </a:prstGeom>
         </p:spPr>
         <p:txBody>
-          <a:bodyPr anchorCtr="0" anchor="ctr" bIns="91425" lIns="91425" rIns="91425" tIns="91425">
+          <a:bodyPr lIns="91425" tIns="91425" rIns="91425" bIns="91425" anchor="ctr" anchorCtr="0">
             <a:noAutofit/>
           </a:bodyPr>
           <a:lstStyle/>
@@ -2948,6 +3172,11 @@
               </a:rPr>
               <a:t>‹#›</a:t>
             </a:fld>
+            <a:endParaRPr lang="en">
+              <a:solidFill>
+                <a:schemeClr val="accent1"/>
+              </a:solidFill>
+            </a:endParaRPr>
           </a:p>
         </p:txBody>
       </p:sp>
@@ -2960,11 +3189,11 @@
 </file>
 
 <file path=ppt/slideLayouts/slideLayout8.xml><?xml version="1.0" encoding="utf-8"?>
-<p:sldLayout xmlns:a="http://schemas.openxmlformats.org/drawingml/2006/main" xmlns:r="http://schemas.openxmlformats.org/officeDocument/2006/relationships" xmlns:mc="http://schemas.openxmlformats.org/markup-compatibility/2006" xmlns:mv="urn:schemas-microsoft-com:mac:vml" xmlns:p="http://schemas.openxmlformats.org/presentationml/2006/main" xmlns:c="http://schemas.openxmlformats.org/drawingml/2006/chart" xmlns:dgm="http://schemas.openxmlformats.org/drawingml/2006/diagram" xmlns:o="urn:schemas-microsoft-com:office:office" xmlns:v="urn:schemas-microsoft-com:vml" xmlns:pvml="urn:schemas-microsoft-com:office:powerpoint" xmlns:com="http://schemas.openxmlformats.org/drawingml/2006/compatibility" xmlns:p14="http://schemas.microsoft.com/office/powerpoint/2010/main">
+<p:sldLayout xmlns:a="http://schemas.openxmlformats.org/drawingml/2006/main" xmlns:r="http://schemas.openxmlformats.org/officeDocument/2006/relationships" xmlns:p="http://schemas.openxmlformats.org/presentationml/2006/main">
   <p:cSld name="Section title and description">
     <p:spTree>
       <p:nvGrpSpPr>
-        <p:cNvPr id="39" name="Shape 39"/>
+        <p:cNvPr id="1" name="Shape 39"/>
         <p:cNvGrpSpPr/>
         <p:nvPr/>
       </p:nvGrpSpPr>
@@ -2998,7 +3227,7 @@
           </a:ln>
         </p:spPr>
         <p:txBody>
-          <a:bodyPr anchorCtr="0" anchor="ctr" bIns="91425" lIns="91425" rIns="91425" tIns="91425">
+          <a:bodyPr lIns="91425" tIns="91425" rIns="91425" bIns="91425" anchor="ctr" anchorCtr="0">
             <a:noAutofit/>
           </a:bodyPr>
           <a:lstStyle/>
@@ -3009,9 +3238,6 @@
               </a:spcBef>
               <a:buNone/>
             </a:pPr>
-            <a:r>
-              <a:t/>
-            </a:r>
             <a:endParaRPr/>
           </a:p>
         </p:txBody>
@@ -3031,21 +3257,23 @@
             <a:avLst/>
           </a:prstGeom>
           <a:noFill/>
-          <a:ln cap="flat" cmpd="sng" w="19050">
+          <a:ln w="19050" cap="flat" cmpd="sng">
             <a:solidFill>
               <a:schemeClr val="lt2"/>
             </a:solidFill>
             <a:prstDash val="solid"/>
             <a:round/>
-            <a:headEnd len="med" w="med" type="none"/>
-            <a:tailEnd len="med" w="med" type="none"/>
+            <a:headEnd type="none" w="med" len="med"/>
+            <a:tailEnd type="none" w="med" len="med"/>
           </a:ln>
         </p:spPr>
       </p:cxnSp>
       <p:sp>
         <p:nvSpPr>
           <p:cNvPr id="42" name="Shape 42"/>
-          <p:cNvSpPr txBox="1"/>
+          <p:cNvSpPr txBox="1">
+            <a:spLocks noGrp="1"/>
+          </p:cNvSpPr>
           <p:nvPr>
             <p:ph type="title"/>
           </p:nvPr>
@@ -3060,7 +3288,7 @@
           </a:prstGeom>
         </p:spPr>
         <p:txBody>
-          <a:bodyPr anchorCtr="0" anchor="b" bIns="91425" lIns="91425" rIns="91425" tIns="91425"/>
+          <a:bodyPr lIns="91425" tIns="91425" rIns="91425" bIns="91425" anchor="b" anchorCtr="0"/>
           <a:lstStyle>
             <a:lvl1pPr lvl="0" algn="ctr">
               <a:spcBef>
@@ -3189,15 +3417,19 @@
               </a:defRPr>
             </a:lvl9pPr>
           </a:lstStyle>
-          <a:p/>
+          <a:p>
+            <a:endParaRPr/>
+          </a:p>
         </p:txBody>
       </p:sp>
       <p:sp>
         <p:nvSpPr>
           <p:cNvPr id="43" name="Shape 43"/>
-          <p:cNvSpPr txBox="1"/>
+          <p:cNvSpPr txBox="1">
+            <a:spLocks noGrp="1"/>
+          </p:cNvSpPr>
           <p:nvPr>
-            <p:ph idx="1" type="subTitle"/>
+            <p:ph type="subTitle" idx="1"/>
           </p:nvPr>
         </p:nvSpPr>
         <p:spPr>
@@ -3210,7 +3442,7 @@
           </a:prstGeom>
         </p:spPr>
         <p:txBody>
-          <a:bodyPr anchorCtr="0" anchor="t" bIns="91425" lIns="91425" rIns="91425" tIns="91425"/>
+          <a:bodyPr lIns="91425" tIns="91425" rIns="91425" bIns="91425" anchor="t" anchorCtr="0"/>
           <a:lstStyle>
             <a:lvl1pPr lvl="0" algn="ctr">
               <a:lnSpc>
@@ -3339,15 +3571,19 @@
               <a:defRPr sz="2100"/>
             </a:lvl9pPr>
           </a:lstStyle>
-          <a:p/>
+          <a:p>
+            <a:endParaRPr/>
+          </a:p>
         </p:txBody>
       </p:sp>
       <p:sp>
         <p:nvSpPr>
           <p:cNvPr id="44" name="Shape 44"/>
-          <p:cNvSpPr txBox="1"/>
+          <p:cNvSpPr txBox="1">
+            <a:spLocks noGrp="1"/>
+          </p:cNvSpPr>
           <p:nvPr>
-            <p:ph idx="2" type="body"/>
+            <p:ph type="body" idx="2"/>
           </p:nvPr>
         </p:nvSpPr>
         <p:spPr>
@@ -3360,7 +3596,7 @@
           </a:prstGeom>
         </p:spPr>
         <p:txBody>
-          <a:bodyPr anchorCtr="0" anchor="ctr" bIns="91425" lIns="91425" rIns="91425" tIns="91425"/>
+          <a:bodyPr lIns="91425" tIns="91425" rIns="91425" bIns="91425" anchor="ctr" anchorCtr="0"/>
           <a:lstStyle>
             <a:lvl1pPr lvl="0">
               <a:spcBef>
@@ -3480,15 +3716,19 @@
               </a:defRPr>
             </a:lvl9pPr>
           </a:lstStyle>
-          <a:p/>
+          <a:p>
+            <a:endParaRPr/>
+          </a:p>
         </p:txBody>
       </p:sp>
       <p:sp>
         <p:nvSpPr>
           <p:cNvPr id="45" name="Shape 45"/>
-          <p:cNvSpPr txBox="1"/>
+          <p:cNvSpPr txBox="1">
+            <a:spLocks noGrp="1"/>
+          </p:cNvSpPr>
           <p:nvPr>
-            <p:ph idx="12" type="sldNum"/>
+            <p:ph type="sldNum" idx="12"/>
           </p:nvPr>
         </p:nvSpPr>
         <p:spPr>
@@ -3501,7 +3741,7 @@
           </a:prstGeom>
         </p:spPr>
         <p:txBody>
-          <a:bodyPr anchorCtr="0" anchor="ctr" bIns="91425" lIns="91425" rIns="91425" tIns="91425">
+          <a:bodyPr lIns="91425" tIns="91425" rIns="91425" bIns="91425" anchor="ctr" anchorCtr="0">
             <a:noAutofit/>
           </a:bodyPr>
           <a:lstStyle/>
@@ -3520,6 +3760,11 @@
               </a:rPr>
               <a:t>‹#›</a:t>
             </a:fld>
+            <a:endParaRPr lang="en">
+              <a:solidFill>
+                <a:schemeClr val="accent1"/>
+              </a:solidFill>
+            </a:endParaRPr>
           </a:p>
         </p:txBody>
       </p:sp>
@@ -3532,11 +3777,11 @@
 </file>
 
 <file path=ppt/slideLayouts/slideLayout9.xml><?xml version="1.0" encoding="utf-8"?>
-<p:sldLayout xmlns:a="http://schemas.openxmlformats.org/drawingml/2006/main" xmlns:r="http://schemas.openxmlformats.org/officeDocument/2006/relationships" xmlns:mc="http://schemas.openxmlformats.org/markup-compatibility/2006" xmlns:mv="urn:schemas-microsoft-com:mac:vml" xmlns:p="http://schemas.openxmlformats.org/presentationml/2006/main" xmlns:c="http://schemas.openxmlformats.org/drawingml/2006/chart" xmlns:dgm="http://schemas.openxmlformats.org/drawingml/2006/diagram" xmlns:o="urn:schemas-microsoft-com:office:office" xmlns:v="urn:schemas-microsoft-com:vml" xmlns:pvml="urn:schemas-microsoft-com:office:powerpoint" xmlns:com="http://schemas.openxmlformats.org/drawingml/2006/compatibility" xmlns:p14="http://schemas.microsoft.com/office/powerpoint/2010/main">
+<p:sldLayout xmlns:a="http://schemas.openxmlformats.org/drawingml/2006/main" xmlns:r="http://schemas.openxmlformats.org/officeDocument/2006/relationships" xmlns:p="http://schemas.openxmlformats.org/presentationml/2006/main">
   <p:cSld name="Caption">
     <p:spTree>
       <p:nvGrpSpPr>
-        <p:cNvPr id="46" name="Shape 46"/>
+        <p:cNvPr id="1" name="Shape 46"/>
         <p:cNvGrpSpPr/>
         <p:nvPr/>
       </p:nvGrpSpPr>
@@ -3551,9 +3796,11 @@
       <p:sp>
         <p:nvSpPr>
           <p:cNvPr id="47" name="Shape 47"/>
-          <p:cNvSpPr txBox="1"/>
+          <p:cNvSpPr txBox="1">
+            <a:spLocks noGrp="1"/>
+          </p:cNvSpPr>
           <p:nvPr>
-            <p:ph idx="1" type="body"/>
+            <p:ph type="body" idx="1"/>
           </p:nvPr>
         </p:nvSpPr>
         <p:spPr>
@@ -3566,7 +3813,7 @@
           </a:prstGeom>
         </p:spPr>
         <p:txBody>
-          <a:bodyPr anchorCtr="0" anchor="ctr" bIns="91425" lIns="91425" rIns="91425" tIns="91425"/>
+          <a:bodyPr lIns="91425" tIns="91425" rIns="91425" bIns="91425" anchor="ctr" anchorCtr="0"/>
           <a:lstStyle>
             <a:lvl1pPr lvl="0">
               <a:lnSpc>
@@ -3582,15 +3829,19 @@
               <a:defRPr/>
             </a:lvl1pPr>
           </a:lstStyle>
-          <a:p/>
+          <a:p>
+            <a:endParaRPr/>
+          </a:p>
         </p:txBody>
       </p:sp>
       <p:sp>
         <p:nvSpPr>
           <p:cNvPr id="48" name="Shape 48"/>
-          <p:cNvSpPr txBox="1"/>
+          <p:cNvSpPr txBox="1">
+            <a:spLocks noGrp="1"/>
+          </p:cNvSpPr>
           <p:nvPr>
-            <p:ph idx="12" type="sldNum"/>
+            <p:ph type="sldNum" idx="12"/>
           </p:nvPr>
         </p:nvSpPr>
         <p:spPr>
@@ -3603,7 +3854,7 @@
           </a:prstGeom>
         </p:spPr>
         <p:txBody>
-          <a:bodyPr anchorCtr="0" anchor="ctr" bIns="91425" lIns="91425" rIns="91425" tIns="91425">
+          <a:bodyPr lIns="91425" tIns="91425" rIns="91425" bIns="91425" anchor="ctr" anchorCtr="0">
             <a:noAutofit/>
           </a:bodyPr>
           <a:lstStyle/>
@@ -3618,6 +3869,7 @@
               <a:rPr lang="en"/>
               <a:t>‹#›</a:t>
             </a:fld>
+            <a:endParaRPr lang="en"/>
           </a:p>
         </p:txBody>
       </p:sp>
@@ -3630,18 +3882,19 @@
 </file>
 
 <file path=ppt/slideMasters/slideMaster1.xml><?xml version="1.0" encoding="utf-8"?>
-<p:sldMaster xmlns:a="http://schemas.openxmlformats.org/drawingml/2006/main" xmlns:r="http://schemas.openxmlformats.org/officeDocument/2006/relationships" xmlns:mc="http://schemas.openxmlformats.org/markup-compatibility/2006" xmlns:mv="urn:schemas-microsoft-com:mac:vml" xmlns:p="http://schemas.openxmlformats.org/presentationml/2006/main" xmlns:c="http://schemas.openxmlformats.org/drawingml/2006/chart" xmlns:dgm="http://schemas.openxmlformats.org/drawingml/2006/diagram" xmlns:o="urn:schemas-microsoft-com:office:office" xmlns:v="urn:schemas-microsoft-com:vml" xmlns:pvml="urn:schemas-microsoft-com:office:powerpoint" xmlns:com="http://schemas.openxmlformats.org/drawingml/2006/compatibility" xmlns:p14="http://schemas.microsoft.com/office/powerpoint/2010/main">
+<p:sldMaster xmlns:a="http://schemas.openxmlformats.org/drawingml/2006/main" xmlns:r="http://schemas.openxmlformats.org/officeDocument/2006/relationships" xmlns:p="http://schemas.openxmlformats.org/presentationml/2006/main">
   <p:cSld>
     <p:bg>
       <p:bgPr>
         <a:solidFill>
           <a:schemeClr val="accent1"/>
         </a:solidFill>
+        <a:effectLst/>
       </p:bgPr>
     </p:bg>
     <p:spTree>
       <p:nvGrpSpPr>
-        <p:cNvPr id="5" name="Shape 5"/>
+        <p:cNvPr id="1" name="Shape 5"/>
         <p:cNvGrpSpPr/>
         <p:nvPr/>
       </p:nvGrpSpPr>
@@ -3656,7 +3909,9 @@
       <p:sp>
         <p:nvSpPr>
           <p:cNvPr id="6" name="Shape 6"/>
-          <p:cNvSpPr txBox="1"/>
+          <p:cNvSpPr txBox="1">
+            <a:spLocks noGrp="1"/>
+          </p:cNvSpPr>
           <p:nvPr>
             <p:ph type="title"/>
           </p:nvPr>
@@ -3675,7 +3930,7 @@
           </a:ln>
         </p:spPr>
         <p:txBody>
-          <a:bodyPr anchorCtr="0" anchor="t" bIns="91425" lIns="91425" rIns="91425" tIns="91425"/>
+          <a:bodyPr lIns="91425" tIns="91425" rIns="91425" bIns="91425" anchor="t" anchorCtr="0"/>
           <a:lstStyle>
             <a:lvl1pPr lvl="0">
               <a:spcBef>
@@ -3858,15 +4113,19 @@
               </a:defRPr>
             </a:lvl9pPr>
           </a:lstStyle>
-          <a:p/>
+          <a:p>
+            <a:endParaRPr/>
+          </a:p>
         </p:txBody>
       </p:sp>
       <p:sp>
         <p:nvSpPr>
           <p:cNvPr id="7" name="Shape 7"/>
-          <p:cNvSpPr txBox="1"/>
+          <p:cNvSpPr txBox="1">
+            <a:spLocks noGrp="1"/>
+          </p:cNvSpPr>
           <p:nvPr>
-            <p:ph idx="1" type="body"/>
+            <p:ph type="body" idx="1"/>
           </p:nvPr>
         </p:nvSpPr>
         <p:spPr>
@@ -3883,7 +4142,7 @@
           </a:ln>
         </p:spPr>
         <p:txBody>
-          <a:bodyPr anchorCtr="0" anchor="t" bIns="91425" lIns="91425" rIns="91425" tIns="91425"/>
+          <a:bodyPr lIns="91425" tIns="91425" rIns="91425" bIns="91425" anchor="t" anchorCtr="0"/>
           <a:lstStyle>
             <a:lvl1pPr lvl="0">
               <a:lnSpc>
@@ -4103,15 +4362,19 @@
               </a:defRPr>
             </a:lvl9pPr>
           </a:lstStyle>
-          <a:p/>
+          <a:p>
+            <a:endParaRPr/>
+          </a:p>
         </p:txBody>
       </p:sp>
       <p:sp>
         <p:nvSpPr>
           <p:cNvPr id="8" name="Shape 8"/>
-          <p:cNvSpPr txBox="1"/>
+          <p:cNvSpPr txBox="1">
+            <a:spLocks noGrp="1"/>
+          </p:cNvSpPr>
           <p:nvPr>
-            <p:ph idx="12" type="sldNum"/>
+            <p:ph type="sldNum" idx="12"/>
           </p:nvPr>
         </p:nvSpPr>
         <p:spPr>
@@ -4128,7 +4391,7 @@
           </a:ln>
         </p:spPr>
         <p:txBody>
-          <a:bodyPr anchorCtr="0" anchor="ctr" bIns="91425" lIns="91425" rIns="91425" tIns="91425">
+          <a:bodyPr lIns="91425" tIns="91425" rIns="91425" bIns="91425" anchor="ctr" anchorCtr="0">
             <a:noAutofit/>
           </a:bodyPr>
           <a:lstStyle/>
@@ -4151,12 +4414,21 @@
               </a:rPr>
               <a:t>‹#›</a:t>
             </a:fld>
+            <a:endParaRPr lang="en" sz="1000">
+              <a:solidFill>
+                <a:schemeClr val="dk1"/>
+              </a:solidFill>
+              <a:latin typeface="Old Standard TT"/>
+              <a:ea typeface="Old Standard TT"/>
+              <a:cs typeface="Old Standard TT"/>
+              <a:sym typeface="Old Standard TT"/>
+            </a:endParaRPr>
           </a:p>
         </p:txBody>
       </p:sp>
     </p:spTree>
   </p:cSld>
-  <p:clrMap accent1="accent1" accent2="accent2" accent3="accent3" accent4="accent4" accent5="accent5" accent6="accent6" bg1="lt1" bg2="dk2" tx1="dk1" tx2="lt2" folHlink="folHlink" hlink="hlink"/>
+  <p:clrMap bg1="lt1" tx1="dk1" bg2="dk2" tx2="lt2" accent1="accent1" accent2="accent2" accent3="accent3" accent4="accent4" accent5="accent5" accent6="accent6" hlink="hlink" folHlink="folHlink"/>
   <p:sldLayoutIdLst>
     <p:sldLayoutId id="2147483648" r:id="rId1"/>
     <p:sldLayoutId id="2147483649" r:id="rId2"/>
@@ -4170,10 +4442,10 @@
     <p:sldLayoutId id="2147483657" r:id="rId10"/>
     <p:sldLayoutId id="2147483658" r:id="rId11"/>
   </p:sldLayoutIdLst>
-  <p:hf dt="0" ftr="0" hdr="0" sldNum="0"/>
+  <p:hf sldNum="0" hdr="0" ftr="0" dt="0"/>
   <p:txStyles>
     <p:titleStyle>
-      <a:defPPr lvl="0" marR="0" rtl="0" algn="l">
+      <a:defPPr marR="0" lvl="0" algn="l" rtl="0">
         <a:lnSpc>
           <a:spcPct val="100000"/>
         </a:lnSpc>
@@ -4184,7 +4456,7 @@
           <a:spcPts val="0"/>
         </a:spcAft>
       </a:defPPr>
-      <a:lvl1pPr lvl="0" marR="0" rtl="0" algn="l">
+      <a:lvl1pPr marR="0" lvl="0" algn="l" rtl="0">
         <a:lnSpc>
           <a:spcPct val="100000"/>
         </a:lnSpc>
@@ -4195,7 +4467,7 @@
           <a:spcPts val="0"/>
         </a:spcAft>
         <a:buNone/>
-        <a:defRPr b="0" i="0" sz="1400" u="none" cap="none" strike="noStrike">
+        <a:defRPr sz="1400" b="0" i="0" u="none" strike="noStrike" cap="none">
           <a:solidFill>
             <a:srgbClr val="000000"/>
           </a:solidFill>
@@ -4207,7 +4479,7 @@
       </a:lvl1pPr>
     </p:titleStyle>
     <p:bodyStyle>
-      <a:defPPr lvl="0" marR="0" rtl="0" algn="l">
+      <a:defPPr marR="0" lvl="0" algn="l" rtl="0">
         <a:lnSpc>
           <a:spcPct val="100000"/>
         </a:lnSpc>
@@ -4218,7 +4490,7 @@
           <a:spcPts val="0"/>
         </a:spcAft>
       </a:defPPr>
-      <a:lvl1pPr lvl="0" marR="0" rtl="0" algn="l">
+      <a:lvl1pPr marR="0" lvl="0" algn="l" rtl="0">
         <a:lnSpc>
           <a:spcPct val="100000"/>
         </a:lnSpc>
@@ -4229,7 +4501,7 @@
           <a:spcPts val="0"/>
         </a:spcAft>
         <a:buNone/>
-        <a:defRPr b="0" i="0" sz="1400" u="none" cap="none" strike="noStrike">
+        <a:defRPr sz="1400" b="0" i="0" u="none" strike="noStrike" cap="none">
           <a:solidFill>
             <a:srgbClr val="000000"/>
           </a:solidFill>
@@ -4239,7 +4511,7 @@
           <a:sym typeface="Arial"/>
         </a:defRPr>
       </a:lvl1pPr>
-      <a:lvl2pPr lvl="1" marR="0" rtl="0" algn="l">
+      <a:lvl2pPr marR="0" lvl="1" algn="l" rtl="0">
         <a:lnSpc>
           <a:spcPct val="100000"/>
         </a:lnSpc>
@@ -4250,7 +4522,7 @@
           <a:spcPts val="0"/>
         </a:spcAft>
         <a:buNone/>
-        <a:defRPr b="0" i="0" sz="1400" u="none" cap="none" strike="noStrike">
+        <a:defRPr sz="1400" b="0" i="0" u="none" strike="noStrike" cap="none">
           <a:solidFill>
             <a:srgbClr val="000000"/>
           </a:solidFill>
@@ -4260,7 +4532,7 @@
           <a:sym typeface="Arial"/>
         </a:defRPr>
       </a:lvl2pPr>
-      <a:lvl3pPr lvl="2" marR="0" rtl="0" algn="l">
+      <a:lvl3pPr marR="0" lvl="2" algn="l" rtl="0">
         <a:lnSpc>
           <a:spcPct val="100000"/>
         </a:lnSpc>
@@ -4271,7 +4543,7 @@
           <a:spcPts val="0"/>
         </a:spcAft>
         <a:buNone/>
-        <a:defRPr b="0" i="0" sz="1400" u="none" cap="none" strike="noStrike">
+        <a:defRPr sz="1400" b="0" i="0" u="none" strike="noStrike" cap="none">
           <a:solidFill>
             <a:srgbClr val="000000"/>
           </a:solidFill>
@@ -4281,7 +4553,7 @@
           <a:sym typeface="Arial"/>
         </a:defRPr>
       </a:lvl3pPr>
-      <a:lvl4pPr lvl="3" marR="0" rtl="0" algn="l">
+      <a:lvl4pPr marR="0" lvl="3" algn="l" rtl="0">
         <a:lnSpc>
           <a:spcPct val="100000"/>
         </a:lnSpc>
@@ -4292,7 +4564,7 @@
           <a:spcPts val="0"/>
         </a:spcAft>
         <a:buNone/>
-        <a:defRPr b="0" i="0" sz="1400" u="none" cap="none" strike="noStrike">
+        <a:defRPr sz="1400" b="0" i="0" u="none" strike="noStrike" cap="none">
           <a:solidFill>
             <a:srgbClr val="000000"/>
           </a:solidFill>
@@ -4302,7 +4574,7 @@
           <a:sym typeface="Arial"/>
         </a:defRPr>
       </a:lvl4pPr>
-      <a:lvl5pPr lvl="4" marR="0" rtl="0" algn="l">
+      <a:lvl5pPr marR="0" lvl="4" algn="l" rtl="0">
         <a:lnSpc>
           <a:spcPct val="100000"/>
         </a:lnSpc>
@@ -4313,7 +4585,7 @@
           <a:spcPts val="0"/>
         </a:spcAft>
         <a:buNone/>
-        <a:defRPr b="0" i="0" sz="1400" u="none" cap="none" strike="noStrike">
+        <a:defRPr sz="1400" b="0" i="0" u="none" strike="noStrike" cap="none">
           <a:solidFill>
             <a:srgbClr val="000000"/>
           </a:solidFill>
@@ -4323,7 +4595,7 @@
           <a:sym typeface="Arial"/>
         </a:defRPr>
       </a:lvl5pPr>
-      <a:lvl6pPr lvl="5" marR="0" rtl="0" algn="l">
+      <a:lvl6pPr marR="0" lvl="5" algn="l" rtl="0">
         <a:lnSpc>
           <a:spcPct val="100000"/>
         </a:lnSpc>
@@ -4334,7 +4606,7 @@
           <a:spcPts val="0"/>
         </a:spcAft>
         <a:buNone/>
-        <a:defRPr b="0" i="0" sz="1400" u="none" cap="none" strike="noStrike">
+        <a:defRPr sz="1400" b="0" i="0" u="none" strike="noStrike" cap="none">
           <a:solidFill>
             <a:srgbClr val="000000"/>
           </a:solidFill>
@@ -4344,7 +4616,7 @@
           <a:sym typeface="Arial"/>
         </a:defRPr>
       </a:lvl6pPr>
-      <a:lvl7pPr lvl="6" marR="0" rtl="0" algn="l">
+      <a:lvl7pPr marR="0" lvl="6" algn="l" rtl="0">
         <a:lnSpc>
           <a:spcPct val="100000"/>
         </a:lnSpc>
@@ -4355,7 +4627,7 @@
           <a:spcPts val="0"/>
         </a:spcAft>
         <a:buNone/>
-        <a:defRPr b="0" i="0" sz="1400" u="none" cap="none" strike="noStrike">
+        <a:defRPr sz="1400" b="0" i="0" u="none" strike="noStrike" cap="none">
           <a:solidFill>
             <a:srgbClr val="000000"/>
           </a:solidFill>
@@ -4365,7 +4637,7 @@
           <a:sym typeface="Arial"/>
         </a:defRPr>
       </a:lvl7pPr>
-      <a:lvl8pPr lvl="7" marR="0" rtl="0" algn="l">
+      <a:lvl8pPr marR="0" lvl="7" algn="l" rtl="0">
         <a:lnSpc>
           <a:spcPct val="100000"/>
         </a:lnSpc>
@@ -4376,7 +4648,7 @@
           <a:spcPts val="0"/>
         </a:spcAft>
         <a:buNone/>
-        <a:defRPr b="0" i="0" sz="1400" u="none" cap="none" strike="noStrike">
+        <a:defRPr sz="1400" b="0" i="0" u="none" strike="noStrike" cap="none">
           <a:solidFill>
             <a:srgbClr val="000000"/>
           </a:solidFill>
@@ -4386,7 +4658,7 @@
           <a:sym typeface="Arial"/>
         </a:defRPr>
       </a:lvl8pPr>
-      <a:lvl9pPr lvl="8" marR="0" rtl="0" algn="l">
+      <a:lvl9pPr marR="0" lvl="8" algn="l" rtl="0">
         <a:lnSpc>
           <a:spcPct val="100000"/>
         </a:lnSpc>
@@ -4397,7 +4669,7 @@
           <a:spcPts val="0"/>
         </a:spcAft>
         <a:buNone/>
-        <a:defRPr b="0" i="0" sz="1400" u="none" cap="none" strike="noStrike">
+        <a:defRPr sz="1400" b="0" i="0" u="none" strike="noStrike" cap="none">
           <a:solidFill>
             <a:srgbClr val="000000"/>
           </a:solidFill>
@@ -4409,7 +4681,7 @@
       </a:lvl9pPr>
     </p:bodyStyle>
     <p:otherStyle>
-      <a:defPPr lvl="0" marR="0" rtl="0" algn="l">
+      <a:defPPr marR="0" lvl="0" algn="l" rtl="0">
         <a:lnSpc>
           <a:spcPct val="100000"/>
         </a:lnSpc>
@@ -4420,7 +4692,7 @@
           <a:spcPts val="0"/>
         </a:spcAft>
       </a:defPPr>
-      <a:lvl1pPr lvl="0" marR="0" rtl="0" algn="l">
+      <a:lvl1pPr marR="0" lvl="0" algn="l" rtl="0">
         <a:lnSpc>
           <a:spcPct val="100000"/>
         </a:lnSpc>
@@ -4431,7 +4703,7 @@
           <a:spcPts val="0"/>
         </a:spcAft>
         <a:buNone/>
-        <a:defRPr b="0" i="0" sz="1400" u="none" cap="none" strike="noStrike">
+        <a:defRPr sz="1400" b="0" i="0" u="none" strike="noStrike" cap="none">
           <a:solidFill>
             <a:srgbClr val="000000"/>
           </a:solidFill>
@@ -4441,7 +4713,7 @@
           <a:sym typeface="Arial"/>
         </a:defRPr>
       </a:lvl1pPr>
-      <a:lvl2pPr lvl="1" marR="0" rtl="0" algn="l">
+      <a:lvl2pPr marR="0" lvl="1" algn="l" rtl="0">
         <a:lnSpc>
           <a:spcPct val="100000"/>
         </a:lnSpc>
@@ -4452,7 +4724,7 @@
           <a:spcPts val="0"/>
         </a:spcAft>
         <a:buNone/>
-        <a:defRPr b="0" i="0" sz="1400" u="none" cap="none" strike="noStrike">
+        <a:defRPr sz="1400" b="0" i="0" u="none" strike="noStrike" cap="none">
           <a:solidFill>
             <a:srgbClr val="000000"/>
           </a:solidFill>
@@ -4462,7 +4734,7 @@
           <a:sym typeface="Arial"/>
         </a:defRPr>
       </a:lvl2pPr>
-      <a:lvl3pPr lvl="2" marR="0" rtl="0" algn="l">
+      <a:lvl3pPr marR="0" lvl="2" algn="l" rtl="0">
         <a:lnSpc>
           <a:spcPct val="100000"/>
         </a:lnSpc>
@@ -4473,7 +4745,7 @@
           <a:spcPts val="0"/>
         </a:spcAft>
         <a:buNone/>
-        <a:defRPr b="0" i="0" sz="1400" u="none" cap="none" strike="noStrike">
+        <a:defRPr sz="1400" b="0" i="0" u="none" strike="noStrike" cap="none">
           <a:solidFill>
             <a:srgbClr val="000000"/>
           </a:solidFill>
@@ -4483,7 +4755,7 @@
           <a:sym typeface="Arial"/>
         </a:defRPr>
       </a:lvl3pPr>
-      <a:lvl4pPr lvl="3" marR="0" rtl="0" algn="l">
+      <a:lvl4pPr marR="0" lvl="3" algn="l" rtl="0">
         <a:lnSpc>
           <a:spcPct val="100000"/>
         </a:lnSpc>
@@ -4494,7 +4766,7 @@
           <a:spcPts val="0"/>
         </a:spcAft>
         <a:buNone/>
-        <a:defRPr b="0" i="0" sz="1400" u="none" cap="none" strike="noStrike">
+        <a:defRPr sz="1400" b="0" i="0" u="none" strike="noStrike" cap="none">
           <a:solidFill>
             <a:srgbClr val="000000"/>
           </a:solidFill>
@@ -4504,7 +4776,7 @@
           <a:sym typeface="Arial"/>
         </a:defRPr>
       </a:lvl4pPr>
-      <a:lvl5pPr lvl="4" marR="0" rtl="0" algn="l">
+      <a:lvl5pPr marR="0" lvl="4" algn="l" rtl="0">
         <a:lnSpc>
           <a:spcPct val="100000"/>
         </a:lnSpc>
@@ -4515,7 +4787,7 @@
           <a:spcPts val="0"/>
         </a:spcAft>
         <a:buNone/>
-        <a:defRPr b="0" i="0" sz="1400" u="none" cap="none" strike="noStrike">
+        <a:defRPr sz="1400" b="0" i="0" u="none" strike="noStrike" cap="none">
           <a:solidFill>
             <a:srgbClr val="000000"/>
           </a:solidFill>
@@ -4525,7 +4797,7 @@
           <a:sym typeface="Arial"/>
         </a:defRPr>
       </a:lvl5pPr>
-      <a:lvl6pPr lvl="5" marR="0" rtl="0" algn="l">
+      <a:lvl6pPr marR="0" lvl="5" algn="l" rtl="0">
         <a:lnSpc>
           <a:spcPct val="100000"/>
         </a:lnSpc>
@@ -4536,7 +4808,7 @@
           <a:spcPts val="0"/>
         </a:spcAft>
         <a:buNone/>
-        <a:defRPr b="0" i="0" sz="1400" u="none" cap="none" strike="noStrike">
+        <a:defRPr sz="1400" b="0" i="0" u="none" strike="noStrike" cap="none">
           <a:solidFill>
             <a:srgbClr val="000000"/>
           </a:solidFill>
@@ -4546,7 +4818,7 @@
           <a:sym typeface="Arial"/>
         </a:defRPr>
       </a:lvl6pPr>
-      <a:lvl7pPr lvl="6" marR="0" rtl="0" algn="l">
+      <a:lvl7pPr marR="0" lvl="6" algn="l" rtl="0">
         <a:lnSpc>
           <a:spcPct val="100000"/>
         </a:lnSpc>
@@ -4557,7 +4829,7 @@
           <a:spcPts val="0"/>
         </a:spcAft>
         <a:buNone/>
-        <a:defRPr b="0" i="0" sz="1400" u="none" cap="none" strike="noStrike">
+        <a:defRPr sz="1400" b="0" i="0" u="none" strike="noStrike" cap="none">
           <a:solidFill>
             <a:srgbClr val="000000"/>
           </a:solidFill>
@@ -4567,7 +4839,7 @@
           <a:sym typeface="Arial"/>
         </a:defRPr>
       </a:lvl7pPr>
-      <a:lvl8pPr lvl="7" marR="0" rtl="0" algn="l">
+      <a:lvl8pPr marR="0" lvl="7" algn="l" rtl="0">
         <a:lnSpc>
           <a:spcPct val="100000"/>
         </a:lnSpc>
@@ -4578,7 +4850,7 @@
           <a:spcPts val="0"/>
         </a:spcAft>
         <a:buNone/>
-        <a:defRPr b="0" i="0" sz="1400" u="none" cap="none" strike="noStrike">
+        <a:defRPr sz="1400" b="0" i="0" u="none" strike="noStrike" cap="none">
           <a:solidFill>
             <a:srgbClr val="000000"/>
           </a:solidFill>
@@ -4588,7 +4860,7 @@
           <a:sym typeface="Arial"/>
         </a:defRPr>
       </a:lvl8pPr>
-      <a:lvl9pPr lvl="8" marR="0" rtl="0" algn="l">
+      <a:lvl9pPr marR="0" lvl="8" algn="l" rtl="0">
         <a:lnSpc>
           <a:spcPct val="100000"/>
         </a:lnSpc>
@@ -4599,7 +4871,7 @@
           <a:spcPts val="0"/>
         </a:spcAft>
         <a:buNone/>
-        <a:defRPr b="0" i="0" sz="1400" u="none" cap="none" strike="noStrike">
+        <a:defRPr sz="1400" b="0" i="0" u="none" strike="noStrike" cap="none">
           <a:solidFill>
             <a:srgbClr val="000000"/>
           </a:solidFill>
@@ -4615,7 +4887,7 @@
 </file>
 
 <file path=ppt/slides/slide1.xml><?xml version="1.0" encoding="utf-8"?>
-<p:sld xmlns:a="http://schemas.openxmlformats.org/drawingml/2006/main" xmlns:r="http://schemas.openxmlformats.org/officeDocument/2006/relationships" xmlns:mc="http://schemas.openxmlformats.org/markup-compatibility/2006" xmlns:mv="urn:schemas-microsoft-com:mac:vml" xmlns:p="http://schemas.openxmlformats.org/presentationml/2006/main" xmlns:c="http://schemas.openxmlformats.org/drawingml/2006/chart" xmlns:dgm="http://schemas.openxmlformats.org/drawingml/2006/diagram" xmlns:o="urn:schemas-microsoft-com:office:office" xmlns:v="urn:schemas-microsoft-com:vml" xmlns:pvml="urn:schemas-microsoft-com:office:powerpoint" xmlns:com="http://schemas.openxmlformats.org/drawingml/2006/compatibility" xmlns:p14="http://schemas.microsoft.com/office/powerpoint/2010/main">
+<p:sld xmlns:a="http://schemas.openxmlformats.org/drawingml/2006/main" xmlns:r="http://schemas.openxmlformats.org/officeDocument/2006/relationships" xmlns:p="http://schemas.openxmlformats.org/presentationml/2006/main">
   <p:cSld>
     <p:bg>
       <p:bgPr>
@@ -4624,11 +4896,12 @@
             <a:alpha val="90380"/>
           </a:srgbClr>
         </a:solidFill>
+        <a:effectLst/>
       </p:bgPr>
     </p:bg>
     <p:spTree>
       <p:nvGrpSpPr>
-        <p:cNvPr id="58" name="Shape 58"/>
+        <p:cNvPr id="1" name="Shape 58"/>
         <p:cNvGrpSpPr/>
         <p:nvPr/>
       </p:nvGrpSpPr>
@@ -4643,7 +4916,9 @@
       <p:sp>
         <p:nvSpPr>
           <p:cNvPr id="59" name="Shape 59"/>
-          <p:cNvSpPr txBox="1"/>
+          <p:cNvSpPr txBox="1">
+            <a:spLocks noGrp="1"/>
+          </p:cNvSpPr>
           <p:nvPr>
             <p:ph type="ctrTitle"/>
           </p:nvPr>
@@ -4658,7 +4933,7 @@
           </a:prstGeom>
         </p:spPr>
         <p:txBody>
-          <a:bodyPr anchorCtr="0" anchor="b" bIns="91425" lIns="91425" rIns="91425" tIns="91425">
+          <a:bodyPr lIns="91425" tIns="91425" rIns="91425" bIns="91425" anchor="b" anchorCtr="0">
             <a:noAutofit/>
           </a:bodyPr>
           <a:lstStyle/>
@@ -4679,9 +4954,11 @@
       <p:sp>
         <p:nvSpPr>
           <p:cNvPr id="60" name="Shape 60"/>
-          <p:cNvSpPr txBox="1"/>
+          <p:cNvSpPr txBox="1">
+            <a:spLocks noGrp="1"/>
+          </p:cNvSpPr>
           <p:nvPr>
-            <p:ph idx="1" type="subTitle"/>
+            <p:ph type="subTitle" idx="1"/>
           </p:nvPr>
         </p:nvSpPr>
         <p:spPr>
@@ -4694,7 +4971,7 @@
           </a:prstGeom>
         </p:spPr>
         <p:txBody>
-          <a:bodyPr anchorCtr="0" anchor="t" bIns="91425" lIns="91425" rIns="91425" tIns="91425">
+          <a:bodyPr lIns="91425" tIns="91425" rIns="91425" bIns="91425" anchor="t" anchorCtr="0">
             <a:noAutofit/>
           </a:bodyPr>
           <a:lstStyle/>
@@ -4706,13 +4983,29 @@
               <a:buNone/>
             </a:pPr>
             <a:r>
-              <a:rPr b="1" lang="en">
+              <a:rPr lang="en" b="1" dirty="0">
                 <a:solidFill>
                   <a:srgbClr val="000000"/>
                 </a:solidFill>
               </a:rPr>
-              <a:t>By: ScumInvaders</a:t>
+              <a:t>By</a:t>
             </a:r>
+            <a:r>
+              <a:rPr lang="en" b="1">
+                <a:solidFill>
+                  <a:srgbClr val="000000"/>
+                </a:solidFill>
+              </a:rPr>
+              <a:t>: </a:t>
+            </a:r>
+            <a:r>
+              <a:rPr lang="en" b="1" smtClean="0">
+                <a:solidFill>
+                  <a:srgbClr val="000000"/>
+                </a:solidFill>
+              </a:rPr>
+              <a:t>ScrumInvaders</a:t>
+            </a:r>
           </a:p>
           <a:p>
             <a:pPr lvl="0" rtl="0">
@@ -4721,10 +5014,7 @@
               </a:spcBef>
               <a:buNone/>
             </a:pPr>
-            <a:r>
-              <a:t/>
-            </a:r>
-            <a:endParaRPr>
+            <a:endParaRPr dirty="0" smtClean="0">
               <a:solidFill>
                 <a:srgbClr val="000000"/>
               </a:solidFill>
@@ -4738,12 +5028,20 @@
               <a:buNone/>
             </a:pPr>
             <a:r>
-              <a:rPr lang="en">
+              <a:rPr lang="en" dirty="0" smtClean="0">
                 <a:solidFill>
                   <a:srgbClr val="000000"/>
                 </a:solidFill>
               </a:rPr>
-              <a:t>Andrew Chau</a:t>
+              <a:t>Andrew </a:t>
+            </a:r>
+            <a:r>
+              <a:rPr lang="en" dirty="0">
+                <a:solidFill>
+                  <a:srgbClr val="000000"/>
+                </a:solidFill>
+              </a:rPr>
+              <a:t>Chau</a:t>
             </a:r>
           </a:p>
           <a:p>
@@ -4754,7 +5052,7 @@
               <a:buNone/>
             </a:pPr>
             <a:r>
-              <a:rPr lang="en">
+              <a:rPr lang="en" dirty="0">
                 <a:solidFill>
                   <a:srgbClr val="000000"/>
                 </a:solidFill>
@@ -4770,7 +5068,7 @@
               <a:buNone/>
             </a:pPr>
             <a:r>
-              <a:rPr lang="en">
+              <a:rPr lang="en" dirty="0">
                 <a:solidFill>
                   <a:srgbClr val="000000"/>
                 </a:solidFill>
@@ -4786,7 +5084,7 @@
               <a:buNone/>
             </a:pPr>
             <a:r>
-              <a:rPr lang="en">
+              <a:rPr lang="en" dirty="0">
                 <a:solidFill>
                   <a:srgbClr val="000000"/>
                 </a:solidFill>
@@ -4802,7 +5100,7 @@
               <a:buNone/>
             </a:pPr>
             <a:r>
-              <a:rPr lang="en">
+              <a:rPr lang="en" dirty="0">
                 <a:solidFill>
                   <a:srgbClr val="000000"/>
                 </a:solidFill>
@@ -4810,7 +5108,7 @@
               <a:t>Monami Yang</a:t>
             </a:r>
             <a:r>
-              <a:rPr lang="en">
+              <a:rPr lang="en" dirty="0">
                 <a:solidFill>
                   <a:srgbClr val="FFFFFF"/>
                 </a:solidFill>
@@ -4832,7 +5130,7 @@
 </file>
 
 <file path=ppt/slides/slide2.xml><?xml version="1.0" encoding="utf-8"?>
-<p:sld xmlns:a="http://schemas.openxmlformats.org/drawingml/2006/main" xmlns:r="http://schemas.openxmlformats.org/officeDocument/2006/relationships" xmlns:mc="http://schemas.openxmlformats.org/markup-compatibility/2006" xmlns:mv="urn:schemas-microsoft-com:mac:vml" xmlns:p="http://schemas.openxmlformats.org/presentationml/2006/main" xmlns:c="http://schemas.openxmlformats.org/drawingml/2006/chart" xmlns:dgm="http://schemas.openxmlformats.org/drawingml/2006/diagram" xmlns:o="urn:schemas-microsoft-com:office:office" xmlns:v="urn:schemas-microsoft-com:vml" xmlns:pvml="urn:schemas-microsoft-com:office:powerpoint" xmlns:com="http://schemas.openxmlformats.org/drawingml/2006/compatibility" xmlns:p14="http://schemas.microsoft.com/office/powerpoint/2010/main">
+<p:sld xmlns:a="http://schemas.openxmlformats.org/drawingml/2006/main" xmlns:r="http://schemas.openxmlformats.org/officeDocument/2006/relationships" xmlns:p="http://schemas.openxmlformats.org/presentationml/2006/main">
   <p:cSld>
     <p:bg>
       <p:bgPr>
@@ -4841,11 +5139,12 @@
             <a:alpha val="90380"/>
           </a:srgbClr>
         </a:solidFill>
+        <a:effectLst/>
       </p:bgPr>
     </p:bg>
     <p:spTree>
       <p:nvGrpSpPr>
-        <p:cNvPr id="64" name="Shape 64"/>
+        <p:cNvPr id="1" name="Shape 64"/>
         <p:cNvGrpSpPr/>
         <p:nvPr/>
       </p:nvGrpSpPr>
@@ -4860,7 +5159,9 @@
       <p:sp>
         <p:nvSpPr>
           <p:cNvPr id="65" name="Shape 65"/>
-          <p:cNvSpPr txBox="1"/>
+          <p:cNvSpPr txBox="1">
+            <a:spLocks noGrp="1"/>
+          </p:cNvSpPr>
           <p:nvPr>
             <p:ph type="title"/>
           </p:nvPr>
@@ -4875,7 +5176,7 @@
           </a:prstGeom>
         </p:spPr>
         <p:txBody>
-          <a:bodyPr anchorCtr="0" anchor="t" bIns="91425" lIns="91425" rIns="91425" tIns="91425">
+          <a:bodyPr lIns="91425" tIns="91425" rIns="91425" bIns="91425" anchor="t" anchorCtr="0">
             <a:noAutofit/>
           </a:bodyPr>
           <a:lstStyle/>
@@ -4896,9 +5197,11 @@
       <p:sp>
         <p:nvSpPr>
           <p:cNvPr id="66" name="Shape 66"/>
-          <p:cNvSpPr txBox="1"/>
+          <p:cNvSpPr txBox="1">
+            <a:spLocks noGrp="1"/>
+          </p:cNvSpPr>
           <p:nvPr>
-            <p:ph idx="1" type="body"/>
+            <p:ph type="body" idx="1"/>
           </p:nvPr>
         </p:nvSpPr>
         <p:spPr>
@@ -4911,7 +5214,7 @@
           </a:prstGeom>
         </p:spPr>
         <p:txBody>
-          <a:bodyPr anchorCtr="0" anchor="t" bIns="91425" lIns="91425" rIns="91425" tIns="91425">
+          <a:bodyPr lIns="91425" tIns="91425" rIns="91425" bIns="91425" anchor="t" anchorCtr="0">
             <a:noAutofit/>
           </a:bodyPr>
           <a:lstStyle/>
@@ -4938,7 +5241,7 @@
             </a:r>
           </a:p>
           <a:p>
-            <a:pPr indent="-228600" lvl="0" marL="457200" rtl="0">
+            <a:pPr marL="457200" lvl="0" indent="-228600" rtl="0">
               <a:lnSpc>
                 <a:spcPct val="100000"/>
               </a:lnSpc>
@@ -4963,7 +5266,7 @@
             </a:r>
           </a:p>
           <a:p>
-            <a:pPr indent="-228600" lvl="0" marL="457200" rtl="0">
+            <a:pPr marL="457200" lvl="0" indent="-228600" rtl="0">
               <a:lnSpc>
                 <a:spcPct val="100000"/>
               </a:lnSpc>
@@ -5000,9 +5303,6 @@
               </a:spcAft>
               <a:buNone/>
             </a:pPr>
-            <a:r>
-              <a:t/>
-            </a:r>
             <a:endParaRPr>
               <a:solidFill>
                 <a:srgbClr val="000000"/>
@@ -5032,7 +5332,7 @@
             </a:r>
           </a:p>
           <a:p>
-            <a:pPr indent="-228600" lvl="0" marL="457200" rtl="0">
+            <a:pPr marL="457200" lvl="0" indent="-228600" rtl="0">
               <a:lnSpc>
                 <a:spcPct val="100000"/>
               </a:lnSpc>
@@ -5057,7 +5357,7 @@
             </a:r>
           </a:p>
           <a:p>
-            <a:pPr indent="-228600" lvl="0" marL="457200" rtl="0">
+            <a:pPr marL="457200" lvl="0" indent="-228600" rtl="0">
               <a:lnSpc>
                 <a:spcPct val="100000"/>
               </a:lnSpc>
@@ -5094,9 +5394,6 @@
               </a:spcAft>
               <a:buNone/>
             </a:pPr>
-            <a:r>
-              <a:t/>
-            </a:r>
             <a:endParaRPr>
               <a:solidFill>
                 <a:srgbClr val="000000"/>
@@ -5131,7 +5428,7 @@
             </a:r>
           </a:p>
           <a:p>
-            <a:pPr indent="-228600" lvl="0" marL="457200" rtl="0">
+            <a:pPr marL="457200" lvl="0" indent="-228600" rtl="0">
               <a:lnSpc>
                 <a:spcPct val="100000"/>
               </a:lnSpc>
@@ -5168,9 +5465,6 @@
               </a:spcAft>
               <a:buNone/>
             </a:pPr>
-            <a:r>
-              <a:t/>
-            </a:r>
             <a:endParaRPr>
               <a:solidFill>
                 <a:srgbClr val="000000"/>
@@ -5199,7 +5493,7 @@
           </a:ln>
         </p:spPr>
         <p:txBody>
-          <a:bodyPr anchorCtr="0" anchor="t" bIns="91425" lIns="91425" rIns="91425" tIns="91425">
+          <a:bodyPr lIns="91425" tIns="91425" rIns="91425" bIns="91425" anchor="t" anchorCtr="0">
             <a:noAutofit/>
           </a:bodyPr>
           <a:lstStyle/>
@@ -5226,7 +5520,7 @@
             </a:r>
           </a:p>
           <a:p>
-            <a:pPr indent="-342900" lvl="0" marL="457200" rtl="0">
+            <a:pPr marL="457200" lvl="0" indent="-342900" rtl="0">
               <a:spcBef>
                 <a:spcPts val="0"/>
               </a:spcBef>
@@ -5248,7 +5542,7 @@
             </a:r>
           </a:p>
           <a:p>
-            <a:pPr indent="-342900" lvl="0" marL="457200" rtl="0">
+            <a:pPr marL="457200" lvl="0" indent="-342900" rtl="0">
               <a:spcBef>
                 <a:spcPts val="0"/>
               </a:spcBef>
@@ -5270,7 +5564,7 @@
             </a:r>
           </a:p>
           <a:p>
-            <a:pPr indent="-342900" lvl="0" marL="457200" rtl="0">
+            <a:pPr marL="457200" lvl="0" indent="-342900" rtl="0">
               <a:spcBef>
                 <a:spcPts val="0"/>
               </a:spcBef>
@@ -5292,7 +5586,7 @@
             </a:r>
           </a:p>
           <a:p>
-            <a:pPr indent="-342900" lvl="0" marL="457200" rtl="0">
+            <a:pPr marL="457200" lvl="0" indent="-342900" rtl="0">
               <a:spcBef>
                 <a:spcPts val="0"/>
               </a:spcBef>
@@ -5314,7 +5608,7 @@
             </a:r>
           </a:p>
           <a:p>
-            <a:pPr indent="-342900" lvl="0" marL="457200" rtl="0">
+            <a:pPr marL="457200" lvl="0" indent="-342900" rtl="0">
               <a:spcBef>
                 <a:spcPts val="0"/>
               </a:spcBef>
@@ -5342,9 +5636,6 @@
               </a:spcBef>
               <a:buNone/>
             </a:pPr>
-            <a:r>
-              <a:t/>
-            </a:r>
             <a:endParaRPr sz="1800">
               <a:latin typeface="Old Standard TT"/>
               <a:ea typeface="Old Standard TT"/>
@@ -5373,7 +5664,7 @@
             </a:r>
           </a:p>
           <a:p>
-            <a:pPr indent="-342900" lvl="0" marL="457200">
+            <a:pPr marL="457200" lvl="0" indent="-342900">
               <a:spcBef>
                 <a:spcPts val="0"/>
               </a:spcBef>
@@ -5433,7 +5724,7 @@
 </file>
 
 <file path=ppt/slides/slide3.xml><?xml version="1.0" encoding="utf-8"?>
-<p:sld xmlns:a="http://schemas.openxmlformats.org/drawingml/2006/main" xmlns:r="http://schemas.openxmlformats.org/officeDocument/2006/relationships" xmlns:mc="http://schemas.openxmlformats.org/markup-compatibility/2006" xmlns:mv="urn:schemas-microsoft-com:mac:vml" xmlns:p="http://schemas.openxmlformats.org/presentationml/2006/main" xmlns:c="http://schemas.openxmlformats.org/drawingml/2006/chart" xmlns:dgm="http://schemas.openxmlformats.org/drawingml/2006/diagram" xmlns:o="urn:schemas-microsoft-com:office:office" xmlns:v="urn:schemas-microsoft-com:vml" xmlns:pvml="urn:schemas-microsoft-com:office:powerpoint" xmlns:com="http://schemas.openxmlformats.org/drawingml/2006/compatibility" xmlns:p14="http://schemas.microsoft.com/office/powerpoint/2010/main">
+<p:sld xmlns:a="http://schemas.openxmlformats.org/drawingml/2006/main" xmlns:r="http://schemas.openxmlformats.org/officeDocument/2006/relationships" xmlns:p="http://schemas.openxmlformats.org/presentationml/2006/main">
   <p:cSld>
     <p:bg>
       <p:bgPr>
@@ -5442,11 +5733,12 @@
             <a:alpha val="90380"/>
           </a:srgbClr>
         </a:solidFill>
+        <a:effectLst/>
       </p:bgPr>
     </p:bg>
     <p:spTree>
       <p:nvGrpSpPr>
-        <p:cNvPr id="72" name="Shape 72"/>
+        <p:cNvPr id="1" name="Shape 72"/>
         <p:cNvGrpSpPr/>
         <p:nvPr/>
       </p:nvGrpSpPr>
@@ -5489,7 +5781,9 @@
       <p:sp>
         <p:nvSpPr>
           <p:cNvPr id="74" name="Shape 74"/>
-          <p:cNvSpPr txBox="1"/>
+          <p:cNvSpPr txBox="1">
+            <a:spLocks noGrp="1"/>
+          </p:cNvSpPr>
           <p:nvPr>
             <p:ph type="title"/>
           </p:nvPr>
@@ -5504,7 +5798,7 @@
           </a:prstGeom>
         </p:spPr>
         <p:txBody>
-          <a:bodyPr anchorCtr="0" anchor="t" bIns="91425" lIns="91425" rIns="91425" tIns="91425">
+          <a:bodyPr lIns="91425" tIns="91425" rIns="91425" bIns="91425" anchor="t" anchorCtr="0">
             <a:noAutofit/>
           </a:bodyPr>
           <a:lstStyle/>
@@ -5525,9 +5819,11 @@
       <p:sp>
         <p:nvSpPr>
           <p:cNvPr id="75" name="Shape 75"/>
-          <p:cNvSpPr txBox="1"/>
+          <p:cNvSpPr txBox="1">
+            <a:spLocks noGrp="1"/>
+          </p:cNvSpPr>
           <p:nvPr>
-            <p:ph idx="4294967295" type="body"/>
+            <p:ph type="body" idx="4294967295"/>
           </p:nvPr>
         </p:nvSpPr>
         <p:spPr>
@@ -5540,7 +5836,7 @@
           </a:prstGeom>
         </p:spPr>
         <p:txBody>
-          <a:bodyPr anchorCtr="0" anchor="t" bIns="91425" lIns="91425" rIns="91425" tIns="91425">
+          <a:bodyPr lIns="91425" tIns="91425" rIns="91425" bIns="91425" anchor="t" anchorCtr="0">
             <a:noAutofit/>
           </a:bodyPr>
           <a:lstStyle/>
@@ -5563,7 +5859,7 @@
             </a:r>
           </a:p>
           <a:p>
-            <a:pPr indent="-228600" lvl="0" marL="457200" rtl="0">
+            <a:pPr marL="457200" lvl="0" indent="-228600" rtl="0">
               <a:lnSpc>
                 <a:spcPct val="100000"/>
               </a:lnSpc>
@@ -5581,7 +5877,7 @@
             </a:r>
           </a:p>
           <a:p>
-            <a:pPr indent="-228600" lvl="0" marL="457200" rtl="0">
+            <a:pPr marL="457200" lvl="0" indent="-228600" rtl="0">
               <a:lnSpc>
                 <a:spcPct val="100000"/>
               </a:lnSpc>
@@ -5599,7 +5895,7 @@
             </a:r>
           </a:p>
           <a:p>
-            <a:pPr indent="-228600" lvl="0" marL="457200" rtl="0">
+            <a:pPr marL="457200" lvl="0" indent="-228600" rtl="0">
               <a:lnSpc>
                 <a:spcPct val="100000"/>
               </a:lnSpc>
@@ -5629,9 +5925,6 @@
               </a:spcAft>
               <a:buNone/>
             </a:pPr>
-            <a:r>
-              <a:t/>
-            </a:r>
             <a:endParaRPr/>
           </a:p>
           <a:p>
@@ -5653,7 +5946,7 @@
             </a:r>
           </a:p>
           <a:p>
-            <a:pPr indent="-228600" lvl="0" marL="457200" rtl="0">
+            <a:pPr marL="457200" lvl="0" indent="-228600" rtl="0">
               <a:lnSpc>
                 <a:spcPct val="100000"/>
               </a:lnSpc>
@@ -5683,9 +5976,6 @@
               </a:spcAft>
               <a:buNone/>
             </a:pPr>
-            <a:r>
-              <a:t/>
-            </a:r>
             <a:endParaRPr/>
           </a:p>
           <a:p>
@@ -5707,7 +5997,7 @@
             </a:r>
           </a:p>
           <a:p>
-            <a:pPr indent="-228600" lvl="0" marL="457200" rtl="0">
+            <a:pPr marL="457200" lvl="0" indent="-228600" rtl="0">
               <a:lnSpc>
                 <a:spcPct val="100000"/>
               </a:lnSpc>
@@ -5725,7 +6015,7 @@
             </a:r>
           </a:p>
           <a:p>
-            <a:pPr indent="-228600" lvl="0" marL="457200" rtl="0">
+            <a:pPr marL="457200" lvl="0" indent="-228600" rtl="0">
               <a:lnSpc>
                 <a:spcPct val="100000"/>
               </a:lnSpc>
@@ -5952,7 +6242,7 @@
 </file>
 
 <file path=ppt/slides/slide4.xml><?xml version="1.0" encoding="utf-8"?>
-<p:sld xmlns:a="http://schemas.openxmlformats.org/drawingml/2006/main" xmlns:r="http://schemas.openxmlformats.org/officeDocument/2006/relationships" xmlns:mc="http://schemas.openxmlformats.org/markup-compatibility/2006" xmlns:mv="urn:schemas-microsoft-com:mac:vml" xmlns:p="http://schemas.openxmlformats.org/presentationml/2006/main" xmlns:c="http://schemas.openxmlformats.org/drawingml/2006/chart" xmlns:dgm="http://schemas.openxmlformats.org/drawingml/2006/diagram" xmlns:o="urn:schemas-microsoft-com:office:office" xmlns:v="urn:schemas-microsoft-com:vml" xmlns:pvml="urn:schemas-microsoft-com:office:powerpoint" xmlns:com="http://schemas.openxmlformats.org/drawingml/2006/compatibility" xmlns:p14="http://schemas.microsoft.com/office/powerpoint/2010/main">
+<p:sld xmlns:a="http://schemas.openxmlformats.org/drawingml/2006/main" xmlns:r="http://schemas.openxmlformats.org/officeDocument/2006/relationships" xmlns:p="http://schemas.openxmlformats.org/presentationml/2006/main">
   <p:cSld>
     <p:bg>
       <p:bgPr>
@@ -5961,11 +6251,12 @@
             <a:alpha val="90380"/>
           </a:srgbClr>
         </a:solidFill>
+        <a:effectLst/>
       </p:bgPr>
     </p:bg>
     <p:spTree>
       <p:nvGrpSpPr>
-        <p:cNvPr id="86" name="Shape 86"/>
+        <p:cNvPr id="1" name="Shape 86"/>
         <p:cNvGrpSpPr/>
         <p:nvPr/>
       </p:nvGrpSpPr>
@@ -5980,7 +6271,9 @@
       <p:sp>
         <p:nvSpPr>
           <p:cNvPr id="87" name="Shape 87"/>
-          <p:cNvSpPr txBox="1"/>
+          <p:cNvSpPr txBox="1">
+            <a:spLocks noGrp="1"/>
+          </p:cNvSpPr>
           <p:nvPr>
             <p:ph type="title"/>
           </p:nvPr>
@@ -5995,7 +6288,7 @@
           </a:prstGeom>
         </p:spPr>
         <p:txBody>
-          <a:bodyPr anchorCtr="0" anchor="t" bIns="91425" lIns="91425" rIns="91425" tIns="91425">
+          <a:bodyPr lIns="91425" tIns="91425" rIns="91425" bIns="91425" anchor="t" anchorCtr="0">
             <a:noAutofit/>
           </a:bodyPr>
           <a:lstStyle/>
@@ -6016,9 +6309,11 @@
       <p:sp>
         <p:nvSpPr>
           <p:cNvPr id="88" name="Shape 88"/>
-          <p:cNvSpPr txBox="1"/>
+          <p:cNvSpPr txBox="1">
+            <a:spLocks noGrp="1"/>
+          </p:cNvSpPr>
           <p:nvPr>
-            <p:ph idx="1" type="body"/>
+            <p:ph type="body" idx="1"/>
           </p:nvPr>
         </p:nvSpPr>
         <p:spPr>
@@ -6031,7 +6326,7 @@
           </a:prstGeom>
         </p:spPr>
         <p:txBody>
-          <a:bodyPr anchorCtr="0" anchor="t" bIns="91425" lIns="91425" rIns="91425" tIns="91425">
+          <a:bodyPr lIns="91425" tIns="91425" rIns="91425" bIns="91425" anchor="t" anchorCtr="0">
             <a:noAutofit/>
           </a:bodyPr>
           <a:lstStyle/>
@@ -6054,7 +6349,7 @@
             </a:r>
           </a:p>
           <a:p>
-            <a:pPr indent="-228600" lvl="0" marL="457200" rtl="0">
+            <a:pPr marL="457200" lvl="0" indent="-228600" rtl="0">
               <a:lnSpc>
                 <a:spcPct val="100000"/>
               </a:lnSpc>
@@ -6072,7 +6367,7 @@
             </a:r>
           </a:p>
           <a:p>
-            <a:pPr indent="-228600" lvl="0" marL="457200" rtl="0">
+            <a:pPr marL="457200" lvl="0" indent="-228600" rtl="0">
               <a:lnSpc>
                 <a:spcPct val="100000"/>
               </a:lnSpc>
@@ -6090,7 +6385,7 @@
             </a:r>
           </a:p>
           <a:p>
-            <a:pPr indent="-228600" lvl="0" marL="457200" rtl="0">
+            <a:pPr marL="457200" lvl="0" indent="-228600" rtl="0">
               <a:lnSpc>
                 <a:spcPct val="100000"/>
               </a:lnSpc>
@@ -6108,7 +6403,7 @@
             </a:r>
           </a:p>
           <a:p>
-            <a:pPr indent="-228600" lvl="0" marL="457200" rtl="0">
+            <a:pPr marL="457200" lvl="0" indent="-228600" rtl="0">
               <a:lnSpc>
                 <a:spcPct val="100000"/>
               </a:lnSpc>
@@ -6141,7 +6436,7 @@
             </a:r>
           </a:p>
           <a:p>
-            <a:pPr indent="-228600" lvl="0" marL="457200" rtl="0">
+            <a:pPr marL="457200" lvl="0" indent="-228600" rtl="0">
               <a:spcBef>
                 <a:spcPts val="0"/>
               </a:spcBef>
@@ -6153,7 +6448,7 @@
             </a:r>
           </a:p>
           <a:p>
-            <a:pPr indent="-228600" lvl="0" marL="457200" rtl="0">
+            <a:pPr marL="457200" lvl="0" indent="-228600" rtl="0">
               <a:spcBef>
                 <a:spcPts val="0"/>
               </a:spcBef>
@@ -6165,7 +6460,7 @@
             </a:r>
           </a:p>
           <a:p>
-            <a:pPr indent="-228600" lvl="0" marL="457200" rtl="0">
+            <a:pPr marL="457200" lvl="0" indent="-228600" rtl="0">
               <a:spcBef>
                 <a:spcPts val="0"/>
               </a:spcBef>
@@ -6177,7 +6472,7 @@
             </a:r>
           </a:p>
           <a:p>
-            <a:pPr indent="-228600" lvl="0" marL="457200">
+            <a:pPr marL="457200" lvl="0" indent="-228600">
               <a:spcBef>
                 <a:spcPts val="0"/>
               </a:spcBef>
@@ -6230,7 +6525,288 @@
 </file>
 
 <file path=ppt/theme/theme1.xml><?xml version="1.0" encoding="utf-8"?>
-<a:theme xmlns:a="http://schemas.openxmlformats.org/drawingml/2006/main" xmlns:r="http://schemas.openxmlformats.org/officeDocument/2006/relationships" name="Custom Theme">
+<a:theme xmlns:a="http://schemas.openxmlformats.org/drawingml/2006/main" name="paperback">
+  <a:themeElements>
+    <a:clrScheme name="Paperback">
+      <a:dk1>
+        <a:srgbClr val="000000"/>
+      </a:dk1>
+      <a:lt1>
+        <a:srgbClr val="FFFFFF"/>
+      </a:lt1>
+      <a:dk2>
+        <a:srgbClr val="00695C"/>
+      </a:dk2>
+      <a:lt2>
+        <a:srgbClr val="26A69A"/>
+      </a:lt2>
+      <a:accent1>
+        <a:srgbClr val="FFFBF0"/>
+      </a:accent1>
+      <a:accent2>
+        <a:srgbClr val="B7B7B7"/>
+      </a:accent2>
+      <a:accent3>
+        <a:srgbClr val="FB8C00"/>
+      </a:accent3>
+      <a:accent4>
+        <a:srgbClr val="80CBC4"/>
+      </a:accent4>
+      <a:accent5>
+        <a:srgbClr val="AF4345"/>
+      </a:accent5>
+      <a:accent6>
+        <a:srgbClr val="F58F8F"/>
+      </a:accent6>
+      <a:hlink>
+        <a:srgbClr val="AF4345"/>
+      </a:hlink>
+      <a:folHlink>
+        <a:srgbClr val="AF4345"/>
+      </a:folHlink>
+    </a:clrScheme>
+    <a:fontScheme name="Office">
+      <a:majorFont>
+        <a:latin typeface="Arial"/>
+        <a:ea typeface=""/>
+        <a:cs typeface=""/>
+        <a:font script="Jpan" typeface="ＭＳ Ｐゴシック"/>
+        <a:font script="Hang" typeface="맑은 고딕"/>
+        <a:font script="Hans" typeface="宋体"/>
+        <a:font script="Hant" typeface="新細明體"/>
+        <a:font script="Arab" typeface="Times New Roman"/>
+        <a:font script="Hebr" typeface="Times New Roman"/>
+        <a:font script="Thai" typeface="Angsana New"/>
+        <a:font script="Ethi" typeface="Nyala"/>
+        <a:font script="Beng" typeface="Vrinda"/>
+        <a:font script="Gujr" typeface="Shruti"/>
+        <a:font script="Khmr" typeface="MoolBoran"/>
+        <a:font script="Knda" typeface="Tunga"/>
+        <a:font script="Guru" typeface="Raavi"/>
+        <a:font script="Cans" typeface="Euphemia"/>
+        <a:font script="Cher" typeface="Plantagenet Cherokee"/>
+        <a:font script="Yiii" typeface="Microsoft Yi Baiti"/>
+        <a:font script="Tibt" typeface="Microsoft Himalaya"/>
+        <a:font script="Thaa" typeface="MV Boli"/>
+        <a:font script="Deva" typeface="Mangal"/>
+        <a:font script="Telu" typeface="Gautami"/>
+        <a:font script="Taml" typeface="Latha"/>
+        <a:font script="Syrc" typeface="Estrangelo Edessa"/>
+        <a:font script="Orya" typeface="Kalinga"/>
+        <a:font script="Mlym" typeface="Kartika"/>
+        <a:font script="Laoo" typeface="DokChampa"/>
+        <a:font script="Sinh" typeface="Iskoola Pota"/>
+        <a:font script="Mong" typeface="Mongolian Baiti"/>
+        <a:font script="Viet" typeface="Times New Roman"/>
+        <a:font script="Uigh" typeface="Microsoft Uighur"/>
+        <a:font script="Geor" typeface="Sylfaen"/>
+      </a:majorFont>
+      <a:minorFont>
+        <a:latin typeface="Arial"/>
+        <a:ea typeface=""/>
+        <a:cs typeface=""/>
+        <a:font script="Jpan" typeface="ＭＳ Ｐゴシック"/>
+        <a:font script="Hang" typeface="맑은 고딕"/>
+        <a:font script="Hans" typeface="宋体"/>
+        <a:font script="Hant" typeface="新細明體"/>
+        <a:font script="Arab" typeface="Arial"/>
+        <a:font script="Hebr" typeface="Arial"/>
+        <a:font script="Thai" typeface="Cordia New"/>
+        <a:font script="Ethi" typeface="Nyala"/>
+        <a:font script="Beng" typeface="Vrinda"/>
+        <a:font script="Gujr" typeface="Shruti"/>
+        <a:font script="Khmr" typeface="DaunPenh"/>
+        <a:font script="Knda" typeface="Tunga"/>
+        <a:font script="Guru" typeface="Raavi"/>
+        <a:font script="Cans" typeface="Euphemia"/>
+        <a:font script="Cher" typeface="Plantagenet Cherokee"/>
+        <a:font script="Yiii" typeface="Microsoft Yi Baiti"/>
+        <a:font script="Tibt" typeface="Microsoft Himalaya"/>
+        <a:font script="Thaa" typeface="MV Boli"/>
+        <a:font script="Deva" typeface="Mangal"/>
+        <a:font script="Telu" typeface="Gautami"/>
+        <a:font script="Taml" typeface="Latha"/>
+        <a:font script="Syrc" typeface="Estrangelo Edessa"/>
+        <a:font script="Orya" typeface="Kalinga"/>
+        <a:font script="Mlym" typeface="Kartika"/>
+        <a:font script="Laoo" typeface="DokChampa"/>
+        <a:font script="Sinh" typeface="Iskoola Pota"/>
+        <a:font script="Mong" typeface="Mongolian Baiti"/>
+        <a:font script="Viet" typeface="Arial"/>
+        <a:font script="Uigh" typeface="Microsoft Uighur"/>
+        <a:font script="Geor" typeface="Sylfaen"/>
+      </a:minorFont>
+    </a:fontScheme>
+    <a:fmtScheme name="Office">
+      <a:fillStyleLst>
+        <a:solidFill>
+          <a:schemeClr val="phClr"/>
+        </a:solidFill>
+        <a:gradFill rotWithShape="1">
+          <a:gsLst>
+            <a:gs pos="0">
+              <a:schemeClr val="phClr">
+                <a:tint val="50000"/>
+                <a:satMod val="300000"/>
+              </a:schemeClr>
+            </a:gs>
+            <a:gs pos="35000">
+              <a:schemeClr val="phClr">
+                <a:tint val="37000"/>
+                <a:satMod val="300000"/>
+              </a:schemeClr>
+            </a:gs>
+            <a:gs pos="100000">
+              <a:schemeClr val="phClr">
+                <a:tint val="15000"/>
+                <a:satMod val="350000"/>
+              </a:schemeClr>
+            </a:gs>
+          </a:gsLst>
+          <a:lin ang="16200000" scaled="1"/>
+        </a:gradFill>
+        <a:gradFill rotWithShape="1">
+          <a:gsLst>
+            <a:gs pos="0">
+              <a:schemeClr val="phClr">
+                <a:tint val="100000"/>
+                <a:shade val="100000"/>
+                <a:satMod val="130000"/>
+              </a:schemeClr>
+            </a:gs>
+            <a:gs pos="100000">
+              <a:schemeClr val="phClr">
+                <a:tint val="50000"/>
+                <a:shade val="100000"/>
+                <a:satMod val="350000"/>
+              </a:schemeClr>
+            </a:gs>
+          </a:gsLst>
+          <a:lin ang="16200000" scaled="0"/>
+        </a:gradFill>
+      </a:fillStyleLst>
+      <a:lnStyleLst>
+        <a:ln w="9525" cap="flat" cmpd="sng" algn="ctr">
+          <a:solidFill>
+            <a:schemeClr val="phClr">
+              <a:shade val="95000"/>
+              <a:satMod val="105000"/>
+            </a:schemeClr>
+          </a:solidFill>
+          <a:prstDash val="solid"/>
+        </a:ln>
+        <a:ln w="25400" cap="flat" cmpd="sng" algn="ctr">
+          <a:solidFill>
+            <a:schemeClr val="phClr"/>
+          </a:solidFill>
+          <a:prstDash val="solid"/>
+        </a:ln>
+        <a:ln w="38100" cap="flat" cmpd="sng" algn="ctr">
+          <a:solidFill>
+            <a:schemeClr val="phClr"/>
+          </a:solidFill>
+          <a:prstDash val="solid"/>
+        </a:ln>
+      </a:lnStyleLst>
+      <a:effectStyleLst>
+        <a:effectStyle>
+          <a:effectLst>
+            <a:outerShdw blurRad="40000" dist="20000" dir="5400000" rotWithShape="0">
+              <a:srgbClr val="000000">
+                <a:alpha val="38000"/>
+              </a:srgbClr>
+            </a:outerShdw>
+          </a:effectLst>
+        </a:effectStyle>
+        <a:effectStyle>
+          <a:effectLst>
+            <a:outerShdw blurRad="40000" dist="23000" dir="5400000" rotWithShape="0">
+              <a:srgbClr val="000000">
+                <a:alpha val="35000"/>
+              </a:srgbClr>
+            </a:outerShdw>
+          </a:effectLst>
+        </a:effectStyle>
+        <a:effectStyle>
+          <a:effectLst>
+            <a:outerShdw blurRad="40000" dist="23000" dir="5400000" rotWithShape="0">
+              <a:srgbClr val="000000">
+                <a:alpha val="35000"/>
+              </a:srgbClr>
+            </a:outerShdw>
+          </a:effectLst>
+          <a:scene3d>
+            <a:camera prst="orthographicFront">
+              <a:rot lat="0" lon="0" rev="0"/>
+            </a:camera>
+            <a:lightRig rig="threePt" dir="t">
+              <a:rot lat="0" lon="0" rev="1200000"/>
+            </a:lightRig>
+          </a:scene3d>
+          <a:sp3d>
+            <a:bevelT w="63500" h="25400"/>
+          </a:sp3d>
+        </a:effectStyle>
+      </a:effectStyleLst>
+      <a:bgFillStyleLst>
+        <a:solidFill>
+          <a:schemeClr val="phClr"/>
+        </a:solidFill>
+        <a:gradFill rotWithShape="1">
+          <a:gsLst>
+            <a:gs pos="0">
+              <a:schemeClr val="phClr">
+                <a:tint val="40000"/>
+                <a:satMod val="350000"/>
+              </a:schemeClr>
+            </a:gs>
+            <a:gs pos="40000">
+              <a:schemeClr val="phClr">
+                <a:tint val="45000"/>
+                <a:shade val="99000"/>
+                <a:satMod val="350000"/>
+              </a:schemeClr>
+            </a:gs>
+            <a:gs pos="100000">
+              <a:schemeClr val="phClr">
+                <a:shade val="20000"/>
+                <a:satMod val="255000"/>
+              </a:schemeClr>
+            </a:gs>
+          </a:gsLst>
+          <a:path path="circle">
+            <a:fillToRect l="50000" t="-80000" r="50000" b="180000"/>
+          </a:path>
+        </a:gradFill>
+        <a:gradFill rotWithShape="1">
+          <a:gsLst>
+            <a:gs pos="0">
+              <a:schemeClr val="phClr">
+                <a:tint val="80000"/>
+                <a:satMod val="300000"/>
+              </a:schemeClr>
+            </a:gs>
+            <a:gs pos="100000">
+              <a:schemeClr val="phClr">
+                <a:shade val="30000"/>
+                <a:satMod val="200000"/>
+              </a:schemeClr>
+            </a:gs>
+          </a:gsLst>
+          <a:path path="circle">
+            <a:fillToRect l="50000" t="50000" r="50000" b="50000"/>
+          </a:path>
+        </a:gradFill>
+      </a:bgFillStyleLst>
+    </a:fmtScheme>
+  </a:themeElements>
+  <a:objectDefaults/>
+  <a:extraClrSchemeLst/>
+</a:theme>
+</file>
+
+<file path=ppt/theme/theme2.xml><?xml version="1.0" encoding="utf-8"?>
+<a:theme xmlns:a="http://schemas.openxmlformats.org/drawingml/2006/main" name="Custom Theme">
   <a:themeElements>
     <a:clrScheme name="Default">
       <a:dk1>
@@ -6505,284 +7081,7 @@
       </a:bgFillStyleLst>
     </a:fmtScheme>
   </a:themeElements>
-</a:theme>
-</file>
-
-<file path=ppt/theme/theme2.xml><?xml version="1.0" encoding="utf-8"?>
-<a:theme xmlns:a="http://schemas.openxmlformats.org/drawingml/2006/main" xmlns:r="http://schemas.openxmlformats.org/officeDocument/2006/relationships" name="paperback">
-  <a:themeElements>
-    <a:clrScheme name="Paperback">
-      <a:dk1>
-        <a:srgbClr val="000000"/>
-      </a:dk1>
-      <a:lt1>
-        <a:srgbClr val="FFFFFF"/>
-      </a:lt1>
-      <a:dk2>
-        <a:srgbClr val="00695C"/>
-      </a:dk2>
-      <a:lt2>
-        <a:srgbClr val="26A69A"/>
-      </a:lt2>
-      <a:accent1>
-        <a:srgbClr val="FFFBF0"/>
-      </a:accent1>
-      <a:accent2>
-        <a:srgbClr val="B7B7B7"/>
-      </a:accent2>
-      <a:accent3>
-        <a:srgbClr val="FB8C00"/>
-      </a:accent3>
-      <a:accent4>
-        <a:srgbClr val="80CBC4"/>
-      </a:accent4>
-      <a:accent5>
-        <a:srgbClr val="AF4345"/>
-      </a:accent5>
-      <a:accent6>
-        <a:srgbClr val="F58F8F"/>
-      </a:accent6>
-      <a:hlink>
-        <a:srgbClr val="AF4345"/>
-      </a:hlink>
-      <a:folHlink>
-        <a:srgbClr val="AF4345"/>
-      </a:folHlink>
-    </a:clrScheme>
-    <a:fontScheme name="Office">
-      <a:majorFont>
-        <a:latin typeface="Arial"/>
-        <a:ea typeface=""/>
-        <a:cs typeface=""/>
-        <a:font script="Jpan" typeface="ＭＳ Ｐゴシック"/>
-        <a:font script="Hang" typeface="맑은 고딕"/>
-        <a:font script="Hans" typeface="宋体"/>
-        <a:font script="Hant" typeface="新細明體"/>
-        <a:font script="Arab" typeface="Times New Roman"/>
-        <a:font script="Hebr" typeface="Times New Roman"/>
-        <a:font script="Thai" typeface="Angsana New"/>
-        <a:font script="Ethi" typeface="Nyala"/>
-        <a:font script="Beng" typeface="Vrinda"/>
-        <a:font script="Gujr" typeface="Shruti"/>
-        <a:font script="Khmr" typeface="MoolBoran"/>
-        <a:font script="Knda" typeface="Tunga"/>
-        <a:font script="Guru" typeface="Raavi"/>
-        <a:font script="Cans" typeface="Euphemia"/>
-        <a:font script="Cher" typeface="Plantagenet Cherokee"/>
-        <a:font script="Yiii" typeface="Microsoft Yi Baiti"/>
-        <a:font script="Tibt" typeface="Microsoft Himalaya"/>
-        <a:font script="Thaa" typeface="MV Boli"/>
-        <a:font script="Deva" typeface="Mangal"/>
-        <a:font script="Telu" typeface="Gautami"/>
-        <a:font script="Taml" typeface="Latha"/>
-        <a:font script="Syrc" typeface="Estrangelo Edessa"/>
-        <a:font script="Orya" typeface="Kalinga"/>
-        <a:font script="Mlym" typeface="Kartika"/>
-        <a:font script="Laoo" typeface="DokChampa"/>
-        <a:font script="Sinh" typeface="Iskoola Pota"/>
-        <a:font script="Mong" typeface="Mongolian Baiti"/>
-        <a:font script="Viet" typeface="Times New Roman"/>
-        <a:font script="Uigh" typeface="Microsoft Uighur"/>
-        <a:font script="Geor" typeface="Sylfaen"/>
-      </a:majorFont>
-      <a:minorFont>
-        <a:latin typeface="Arial"/>
-        <a:ea typeface=""/>
-        <a:cs typeface=""/>
-        <a:font script="Jpan" typeface="ＭＳ Ｐゴシック"/>
-        <a:font script="Hang" typeface="맑은 고딕"/>
-        <a:font script="Hans" typeface="宋体"/>
-        <a:font script="Hant" typeface="新細明體"/>
-        <a:font script="Arab" typeface="Arial"/>
-        <a:font script="Hebr" typeface="Arial"/>
-        <a:font script="Thai" typeface="Cordia New"/>
-        <a:font script="Ethi" typeface="Nyala"/>
-        <a:font script="Beng" typeface="Vrinda"/>
-        <a:font script="Gujr" typeface="Shruti"/>
-        <a:font script="Khmr" typeface="DaunPenh"/>
-        <a:font script="Knda" typeface="Tunga"/>
-        <a:font script="Guru" typeface="Raavi"/>
-        <a:font script="Cans" typeface="Euphemia"/>
-        <a:font script="Cher" typeface="Plantagenet Cherokee"/>
-        <a:font script="Yiii" typeface="Microsoft Yi Baiti"/>
-        <a:font script="Tibt" typeface="Microsoft Himalaya"/>
-        <a:font script="Thaa" typeface="MV Boli"/>
-        <a:font script="Deva" typeface="Mangal"/>
-        <a:font script="Telu" typeface="Gautami"/>
-        <a:font script="Taml" typeface="Latha"/>
-        <a:font script="Syrc" typeface="Estrangelo Edessa"/>
-        <a:font script="Orya" typeface="Kalinga"/>
-        <a:font script="Mlym" typeface="Kartika"/>
-        <a:font script="Laoo" typeface="DokChampa"/>
-        <a:font script="Sinh" typeface="Iskoola Pota"/>
-        <a:font script="Mong" typeface="Mongolian Baiti"/>
-        <a:font script="Viet" typeface="Arial"/>
-        <a:font script="Uigh" typeface="Microsoft Uighur"/>
-        <a:font script="Geor" typeface="Sylfaen"/>
-      </a:minorFont>
-    </a:fontScheme>
-    <a:fmtScheme name="Office">
-      <a:fillStyleLst>
-        <a:solidFill>
-          <a:schemeClr val="phClr"/>
-        </a:solidFill>
-        <a:gradFill rotWithShape="1">
-          <a:gsLst>
-            <a:gs pos="0">
-              <a:schemeClr val="phClr">
-                <a:tint val="50000"/>
-                <a:satMod val="300000"/>
-              </a:schemeClr>
-            </a:gs>
-            <a:gs pos="35000">
-              <a:schemeClr val="phClr">
-                <a:tint val="37000"/>
-                <a:satMod val="300000"/>
-              </a:schemeClr>
-            </a:gs>
-            <a:gs pos="100000">
-              <a:schemeClr val="phClr">
-                <a:tint val="15000"/>
-                <a:satMod val="350000"/>
-              </a:schemeClr>
-            </a:gs>
-          </a:gsLst>
-          <a:lin ang="16200000" scaled="1"/>
-        </a:gradFill>
-        <a:gradFill rotWithShape="1">
-          <a:gsLst>
-            <a:gs pos="0">
-              <a:schemeClr val="phClr">
-                <a:tint val="100000"/>
-                <a:shade val="100000"/>
-                <a:satMod val="130000"/>
-              </a:schemeClr>
-            </a:gs>
-            <a:gs pos="100000">
-              <a:schemeClr val="phClr">
-                <a:tint val="50000"/>
-                <a:shade val="100000"/>
-                <a:satMod val="350000"/>
-              </a:schemeClr>
-            </a:gs>
-          </a:gsLst>
-          <a:lin ang="16200000" scaled="0"/>
-        </a:gradFill>
-      </a:fillStyleLst>
-      <a:lnStyleLst>
-        <a:ln w="9525" cap="flat" cmpd="sng" algn="ctr">
-          <a:solidFill>
-            <a:schemeClr val="phClr">
-              <a:shade val="95000"/>
-              <a:satMod val="105000"/>
-            </a:schemeClr>
-          </a:solidFill>
-          <a:prstDash val="solid"/>
-        </a:ln>
-        <a:ln w="25400" cap="flat" cmpd="sng" algn="ctr">
-          <a:solidFill>
-            <a:schemeClr val="phClr"/>
-          </a:solidFill>
-          <a:prstDash val="solid"/>
-        </a:ln>
-        <a:ln w="38100" cap="flat" cmpd="sng" algn="ctr">
-          <a:solidFill>
-            <a:schemeClr val="phClr"/>
-          </a:solidFill>
-          <a:prstDash val="solid"/>
-        </a:ln>
-      </a:lnStyleLst>
-      <a:effectStyleLst>
-        <a:effectStyle>
-          <a:effectLst>
-            <a:outerShdw blurRad="40000" dist="20000" dir="5400000" rotWithShape="0">
-              <a:srgbClr val="000000">
-                <a:alpha val="38000"/>
-              </a:srgbClr>
-            </a:outerShdw>
-          </a:effectLst>
-        </a:effectStyle>
-        <a:effectStyle>
-          <a:effectLst>
-            <a:outerShdw blurRad="40000" dist="23000" dir="5400000" rotWithShape="0">
-              <a:srgbClr val="000000">
-                <a:alpha val="35000"/>
-              </a:srgbClr>
-            </a:outerShdw>
-          </a:effectLst>
-        </a:effectStyle>
-        <a:effectStyle>
-          <a:effectLst>
-            <a:outerShdw blurRad="40000" dist="23000" dir="5400000" rotWithShape="0">
-              <a:srgbClr val="000000">
-                <a:alpha val="35000"/>
-              </a:srgbClr>
-            </a:outerShdw>
-          </a:effectLst>
-          <a:scene3d>
-            <a:camera prst="orthographicFront">
-              <a:rot lat="0" lon="0" rev="0"/>
-            </a:camera>
-            <a:lightRig rig="threePt" dir="t">
-              <a:rot lat="0" lon="0" rev="1200000"/>
-            </a:lightRig>
-          </a:scene3d>
-          <a:sp3d>
-            <a:bevelT w="63500" h="25400"/>
-          </a:sp3d>
-        </a:effectStyle>
-      </a:effectStyleLst>
-      <a:bgFillStyleLst>
-        <a:solidFill>
-          <a:schemeClr val="phClr"/>
-        </a:solidFill>
-        <a:gradFill rotWithShape="1">
-          <a:gsLst>
-            <a:gs pos="0">
-              <a:schemeClr val="phClr">
-                <a:tint val="40000"/>
-                <a:satMod val="350000"/>
-              </a:schemeClr>
-            </a:gs>
-            <a:gs pos="40000">
-              <a:schemeClr val="phClr">
-                <a:tint val="45000"/>
-                <a:shade val="99000"/>
-                <a:satMod val="350000"/>
-              </a:schemeClr>
-            </a:gs>
-            <a:gs pos="100000">
-              <a:schemeClr val="phClr">
-                <a:shade val="20000"/>
-                <a:satMod val="255000"/>
-              </a:schemeClr>
-            </a:gs>
-          </a:gsLst>
-          <a:path path="circle">
-            <a:fillToRect l="50000" t="-80000" r="50000" b="180000"/>
-          </a:path>
-        </a:gradFill>
-        <a:gradFill rotWithShape="1">
-          <a:gsLst>
-            <a:gs pos="0">
-              <a:schemeClr val="phClr">
-                <a:tint val="80000"/>
-                <a:satMod val="300000"/>
-              </a:schemeClr>
-            </a:gs>
-            <a:gs pos="100000">
-              <a:schemeClr val="phClr">
-                <a:shade val="30000"/>
-                <a:satMod val="200000"/>
-              </a:schemeClr>
-            </a:gs>
-          </a:gsLst>
-          <a:path path="circle">
-            <a:fillToRect l="50000" t="50000" r="50000" b="50000"/>
-          </a:path>
-        </a:gradFill>
-      </a:bgFillStyleLst>
-    </a:fmtScheme>
-  </a:themeElements>
+  <a:objectDefaults/>
+  <a:extraClrSchemeLst/>
 </a:theme>
 </file>